--- a/Beyond Scratch Basics week2.pptx
+++ b/Beyond Scratch Basics week2.pptx
@@ -120,7 +120,7 @@
   </p:defaultTextStyle>
   <p:extLst>
     <p:ext uri="{EFAFB233-063F-42B5-8137-9DF3F51BA10A}">
-      <p15:sldGuideLst xmlns:p15="http://schemas.microsoft.com/office/powerpoint/2012/main" xmlns="">
+      <p15:sldGuideLst xmlns="" xmlns:p15="http://schemas.microsoft.com/office/powerpoint/2012/main">
         <p15:guide id="1" orient="horz" pos="2160">
           <p15:clr>
             <a:srgbClr val="A4A3A4"/>
@@ -4220,13 +4220,8 @@
             </a:pPr>
             <a:r>
               <a:rPr lang="en-US" dirty="0" smtClean="0"/>
-              <a:t>Testing your Graph Paper </a:t>
-            </a:r>
-            <a:r>
-              <a:rPr lang="en-US" dirty="0" smtClean="0"/>
-              <a:t>Programming (with Blocks)</a:t>
-            </a:r>
-            <a:endParaRPr lang="en-US" dirty="0" smtClean="0"/>
+              <a:t>Testing your Graph Paper Programming (with Blocks)</a:t>
+            </a:r>
           </a:p>
           <a:p>
             <a:pPr marL="285750" indent="-285750">
@@ -4510,20 +4505,12 @@
           <a:p>
             <a:pPr lvl="1"/>
             <a:r>
-              <a:rPr lang="en-US" smtClean="0">
-                <a:solidFill>
-                  <a:srgbClr val="7030A0"/>
-                </a:solidFill>
-              </a:rPr>
-              <a:t>User ‘More Blocks’ </a:t>
-            </a:r>
-            <a:r>
               <a:rPr lang="en-US" dirty="0" smtClean="0">
                 <a:solidFill>
                   <a:srgbClr val="7030A0"/>
                 </a:solidFill>
               </a:rPr>
-              <a:t>to simplify</a:t>
+              <a:t>User ‘More Blocks’ to simplify</a:t>
             </a:r>
             <a:endParaRPr lang="en-US" dirty="0">
               <a:solidFill>
@@ -4650,23 +4637,7 @@
             </a:pPr>
             <a:r>
               <a:rPr lang="en-US" sz="2400" dirty="0" smtClean="0"/>
-              <a:t>The Validator allows you to use </a:t>
-            </a:r>
-            <a:r>
-              <a:rPr lang="en-US" sz="2400" dirty="0" smtClean="0"/>
-              <a:t>keys to move about.  </a:t>
-            </a:r>
-            <a:r>
-              <a:rPr lang="en-US" sz="2400" dirty="0" smtClean="0"/>
-              <a:t>There are two types </a:t>
-            </a:r>
-            <a:r>
-              <a:rPr lang="en-US" sz="2400" dirty="0" smtClean="0"/>
-              <a:t>of </a:t>
-            </a:r>
-            <a:r>
-              <a:rPr lang="en-US" sz="2400" dirty="0" smtClean="0"/>
-              <a:t>games that are like this.</a:t>
+              <a:t>The Validator allows you to use keys to move about.  There are two types of games that are like this.</a:t>
             </a:r>
           </a:p>
           <a:p>
@@ -4756,11 +4727,7 @@
             </a:r>
             <a:r>
               <a:rPr lang="en-US" sz="2400" dirty="0" smtClean="0"/>
-              <a:t>: </a:t>
-            </a:r>
-            <a:r>
-              <a:rPr lang="en-US" sz="2400" dirty="0" smtClean="0"/>
-              <a:t>Portal: </a:t>
+              <a:t>: Portal: </a:t>
             </a:r>
             <a:r>
               <a:rPr lang="en-US" sz="2000" dirty="0" smtClean="0">
@@ -4826,8 +4793,9 @@
             </a:pPr>
             <a:r>
               <a:rPr lang="en-US" sz="2000" dirty="0" smtClean="0"/>
-              <a:t>Let’s see tonight’s projects.  Share to </a:t>
-            </a:r>
+              <a:t>If you want to show off your projects, share them to </a:t>
+            </a:r>
+            <a:endParaRPr lang="en-US" sz="2000" dirty="0" smtClean="0"/>
           </a:p>
           <a:p>
             <a:pPr marL="0" indent="0">
@@ -5123,7 +5091,11 @@
           <a:p>
             <a:r>
               <a:rPr lang="en-US" sz="3600" b="1" dirty="0" smtClean="0"/>
-              <a:t>Next week: more cloning</a:t>
+              <a:t>Next week: more </a:t>
+            </a:r>
+            <a:r>
+              <a:rPr lang="en-US" sz="3600" b="1" dirty="0" smtClean="0"/>
+              <a:t>fun with cloning</a:t>
             </a:r>
             <a:endParaRPr lang="en-US" sz="3600" b="1" dirty="0"/>
           </a:p>
@@ -5220,7 +5192,11 @@
             </a:pPr>
             <a:r>
               <a:rPr lang="en-US" dirty="0" smtClean="0"/>
-              <a:t>Here’s a mostly finished version:</a:t>
+              <a:t>Here’s a mostly finished version</a:t>
+            </a:r>
+            <a:r>
+              <a:rPr lang="en-US" dirty="0" smtClean="0"/>
+              <a:t>:</a:t>
             </a:r>
           </a:p>
           <a:p>
@@ -5228,8 +5204,8 @@
               <a:buNone/>
             </a:pPr>
             <a:r>
-              <a:rPr lang="en-US" dirty="0"/>
-              <a:t>http://scratch.mit.edu/projects/17450708/</a:t>
+              <a:rPr lang="en-US"/>
+              <a:t>http://scratch.mit.edu/projects/18041608/</a:t>
             </a:r>
             <a:endParaRPr lang="en-US" dirty="0" smtClean="0"/>
           </a:p>
@@ -5339,11 +5315,7 @@
             <a:pPr lvl="1"/>
             <a:r>
               <a:rPr lang="en-US" dirty="0" smtClean="0"/>
-              <a:t>Both kids in a pair do a </a:t>
-            </a:r>
-            <a:r>
-              <a:rPr lang="en-US" dirty="0" smtClean="0"/>
-              <a:t>puzzle</a:t>
+              <a:t>Both kids in a pair do a puzzle</a:t>
             </a:r>
           </a:p>
           <a:p>
@@ -5360,7 +5332,6 @@
               <a:rPr lang="en-US" dirty="0" smtClean="0"/>
               <a:t> presentation</a:t>
             </a:r>
-            <a:endParaRPr lang="en-US" dirty="0" smtClean="0"/>
           </a:p>
           <a:p>
             <a:pPr lvl="1"/>
@@ -5463,6 +5434,13 @@
       </p:transition>
     </mc:Fallback>
   </mc:AlternateContent>
+  <p:timing>
+    <p:tnLst>
+      <p:par>
+        <p:cTn id="1" dur="indefinite" restart="never" nodeType="tmRoot"/>
+      </p:par>
+    </p:tnLst>
+  </p:timing>
 </p:sld>
 </file>
 
@@ -5496,7 +5474,7 @@
         <p:spPr/>
         <p:txBody>
           <a:bodyPr>
-            <a:normAutofit/>
+            <a:normAutofit fontScale="90000"/>
           </a:bodyPr>
           <a:lstStyle/>
           <a:p>
@@ -5508,15 +5486,24 @@
                   </a:schemeClr>
                 </a:solidFill>
               </a:rPr>
-              <a:t>Tonight’s Project: </a:t>
-            </a:r>
+              <a:t>Overview: Tonight’s Projects: </a:t>
+            </a:r>
+            <a:br>
+              <a:rPr lang="en-US" sz="3900" b="1" dirty="0" smtClean="0">
+                <a:solidFill>
+                  <a:schemeClr val="accent6">
+                    <a:lumMod val="75000"/>
+                  </a:schemeClr>
+                </a:solidFill>
+              </a:rPr>
+            </a:br>
             <a:r>
               <a:rPr lang="en-US" sz="3900" b="1" dirty="0" smtClean="0">
                 <a:solidFill>
                   <a:srgbClr val="FF0000"/>
                 </a:solidFill>
               </a:rPr>
-              <a:t>Draw It</a:t>
+              <a:t>Graph Paper Solution Tester</a:t>
             </a:r>
             <a:r>
               <a:rPr lang="en-US" sz="3900" b="1" dirty="0" smtClean="0">
@@ -5569,13 +5556,13 @@
         </p:nvSpPr>
         <p:spPr>
           <a:xfrm>
-            <a:off x="628650" y="1219200"/>
+            <a:off x="990600" y="1371600"/>
             <a:ext cx="7886700" cy="4957763"/>
           </a:xfrm>
         </p:spPr>
         <p:txBody>
           <a:bodyPr>
-            <a:normAutofit/>
+            <a:normAutofit lnSpcReduction="10000"/>
           </a:bodyPr>
           <a:lstStyle/>
           <a:p>
@@ -5584,11 +5571,7 @@
             </a:pPr>
             <a:r>
               <a:rPr lang="en-US" dirty="0" smtClean="0"/>
-              <a:t>We will look at the validator and </a:t>
-            </a:r>
-            <a:r>
-              <a:rPr lang="en-US" dirty="0" smtClean="0"/>
-              <a:t>input your solution with More Blocks</a:t>
+              <a:t>Let’s look at the tester and try your solution</a:t>
             </a:r>
             <a:endParaRPr lang="en-US" dirty="0" smtClean="0"/>
           </a:p>
@@ -5604,8 +5587,29 @@
             </a:pPr>
             <a:r>
               <a:rPr lang="en-US" dirty="0" smtClean="0"/>
-              <a:t>Ninjas familiar with cloning… Try to make it so that you can allow a user to enter the commands when the program is running!</a:t>
-            </a:r>
+              <a:t>Ninjas familiar with </a:t>
+            </a:r>
+            <a:r>
+              <a:rPr lang="en-US" u="sng" dirty="0" smtClean="0"/>
+              <a:t>cloning</a:t>
+            </a:r>
+            <a:r>
+              <a:rPr lang="en-US" dirty="0" smtClean="0"/>
+              <a:t>… </a:t>
+            </a:r>
+            <a:r>
+              <a:rPr lang="en-US" dirty="0" smtClean="0"/>
+              <a:t>try to rewrite this to allow </a:t>
+            </a:r>
+            <a:r>
+              <a:rPr lang="en-US" dirty="0" smtClean="0"/>
+              <a:t>a user to enter the commands when the program is running</a:t>
+            </a:r>
+            <a:r>
+              <a:rPr lang="en-US" dirty="0" smtClean="0"/>
+              <a:t>!  </a:t>
+            </a:r>
+            <a:endParaRPr lang="en-US" dirty="0" smtClean="0"/>
           </a:p>
           <a:p>
             <a:pPr marL="0" indent="0">
@@ -5619,16 +5623,25 @@
             </a:pPr>
             <a:r>
               <a:rPr lang="en-US" dirty="0" smtClean="0"/>
-              <a:t>First chat:  A short </a:t>
+              <a:t>First chat: </a:t>
+            </a:r>
+            <a:r>
+              <a:rPr lang="en-US" sz="2400" b="1" dirty="0" smtClean="0"/>
+              <a:t>a new </a:t>
+            </a:r>
+            <a:r>
+              <a:rPr lang="en-US" sz="2400" b="1" dirty="0"/>
+              <a:t>topic: </a:t>
+            </a:r>
+            <a:r>
+              <a:rPr lang="en-US" sz="2400" b="1" dirty="0" smtClean="0"/>
+              <a:t>Lists</a:t>
             </a:r>
             <a:r>
               <a:rPr lang="en-US" dirty="0" smtClean="0"/>
-              <a:t>introduction </a:t>
-            </a:r>
-            <a:r>
-              <a:rPr lang="en-US" dirty="0" smtClean="0"/>
-              <a:t>to Lists. </a:t>
-            </a:r>
+              <a:t> (a short introduction) </a:t>
+            </a:r>
+            <a:endParaRPr lang="en-US" dirty="0" smtClean="0"/>
           </a:p>
           <a:p>
             <a:pPr marL="0" indent="0">
@@ -5642,7 +5655,15 @@
             </a:pPr>
             <a:r>
               <a:rPr lang="en-US" dirty="0" smtClean="0"/>
-              <a:t>Second chat:  Tweak the validator to do a more advanced way of creating the grid </a:t>
+              <a:t>Second chat:  </a:t>
+            </a:r>
+            <a:r>
+              <a:rPr lang="en-US" dirty="0" smtClean="0"/>
+              <a:t>Change </a:t>
+            </a:r>
+            <a:r>
+              <a:rPr lang="en-US" dirty="0" smtClean="0"/>
+              <a:t>the validator to do a more advanced way of creating the grid </a:t>
             </a:r>
             <a:r>
               <a:rPr lang="en-US" sz="2600" b="1" dirty="0" smtClean="0"/>
@@ -5670,15 +5691,11 @@
             </a:r>
             <a:r>
               <a:rPr lang="en-US" dirty="0" smtClean="0"/>
-              <a:t> 3D </a:t>
-            </a:r>
-            <a:r>
-              <a:rPr lang="en-US" dirty="0" err="1" smtClean="0"/>
-              <a:t>lego</a:t>
+              <a:t> </a:t>
             </a:r>
             <a:r>
               <a:rPr lang="en-US" dirty="0" smtClean="0"/>
-              <a:t> creator</a:t>
+              <a:t>Lego Creator</a:t>
             </a:r>
             <a:endParaRPr lang="en-US" dirty="0"/>
           </a:p>
@@ -5691,7 +5708,11 @@
             </a:pPr>
             <a:r>
               <a:rPr lang="en-US" dirty="0" smtClean="0"/>
-              <a:t>Final: Show your project!</a:t>
+              <a:t>Finally: </a:t>
+            </a:r>
+            <a:r>
+              <a:rPr lang="en-US" dirty="0" smtClean="0"/>
+              <a:t>Show your project!</a:t>
             </a:r>
           </a:p>
           <a:p>
@@ -5949,15 +5970,33 @@
                                   </p:childTnLst>
                                 </p:cTn>
                               </p:par>
+                            </p:childTnLst>
+                          </p:cTn>
+                        </p:par>
+                      </p:childTnLst>
+                    </p:cTn>
+                  </p:par>
+                  <p:par>
+                    <p:cTn id="16" fill="hold">
+                      <p:stCondLst>
+                        <p:cond delay="indefinite"/>
+                      </p:stCondLst>
+                      <p:childTnLst>
+                        <p:par>
+                          <p:cTn id="17" fill="hold">
+                            <p:stCondLst>
+                              <p:cond delay="0"/>
+                            </p:stCondLst>
+                            <p:childTnLst>
                               <p:par>
-                                <p:cTn id="16" presetID="2" presetClass="entr" presetSubtype="4" fill="hold" grpId="0" nodeType="withEffect">
+                                <p:cTn id="18" presetID="2" presetClass="entr" presetSubtype="4" fill="hold" grpId="0" nodeType="clickEffect">
                                   <p:stCondLst>
                                     <p:cond delay="0"/>
                                   </p:stCondLst>
                                   <p:childTnLst>
                                     <p:set>
                                       <p:cBhvr>
-                                        <p:cTn id="17" dur="1" fill="hold">
+                                        <p:cTn id="19" dur="1" fill="hold">
                                           <p:stCondLst>
                                             <p:cond delay="0"/>
                                           </p:stCondLst>
@@ -5979,7 +6018,7 @@
                                     </p:set>
                                     <p:anim calcmode="lin" valueType="num">
                                       <p:cBhvr additive="base">
-                                        <p:cTn id="18" dur="500" fill="hold"/>
+                                        <p:cTn id="20" dur="500" fill="hold"/>
                                         <p:tgtEl>
                                           <p:spTgt spid="3">
                                             <p:txEl>
@@ -6006,96 +6045,11 @@
                                     </p:anim>
                                     <p:anim calcmode="lin" valueType="num">
                                       <p:cBhvr additive="base">
-                                        <p:cTn id="19" dur="500" fill="hold"/>
+                                        <p:cTn id="21" dur="500" fill="hold"/>
                                         <p:tgtEl>
                                           <p:spTgt spid="3">
                                             <p:txEl>
                                               <p:pRg st="4" end="4"/>
-                                            </p:txEl>
-                                          </p:spTgt>
-                                        </p:tgtEl>
-                                        <p:attrNameLst>
-                                          <p:attrName>ppt_y</p:attrName>
-                                        </p:attrNameLst>
-                                      </p:cBhvr>
-                                      <p:tavLst>
-                                        <p:tav tm="0">
-                                          <p:val>
-                                            <p:strVal val="1+#ppt_h/2"/>
-                                          </p:val>
-                                        </p:tav>
-                                        <p:tav tm="100000">
-                                          <p:val>
-                                            <p:strVal val="#ppt_y"/>
-                                          </p:val>
-                                        </p:tav>
-                                      </p:tavLst>
-                                    </p:anim>
-                                  </p:childTnLst>
-                                </p:cTn>
-                              </p:par>
-                              <p:par>
-                                <p:cTn id="20" presetID="2" presetClass="entr" presetSubtype="4" fill="hold" grpId="0" nodeType="withEffect">
-                                  <p:stCondLst>
-                                    <p:cond delay="0"/>
-                                  </p:stCondLst>
-                                  <p:childTnLst>
-                                    <p:set>
-                                      <p:cBhvr>
-                                        <p:cTn id="21" dur="1" fill="hold">
-                                          <p:stCondLst>
-                                            <p:cond delay="0"/>
-                                          </p:stCondLst>
-                                        </p:cTn>
-                                        <p:tgtEl>
-                                          <p:spTgt spid="3">
-                                            <p:txEl>
-                                              <p:pRg st="6" end="6"/>
-                                            </p:txEl>
-                                          </p:spTgt>
-                                        </p:tgtEl>
-                                        <p:attrNameLst>
-                                          <p:attrName>style.visibility</p:attrName>
-                                        </p:attrNameLst>
-                                      </p:cBhvr>
-                                      <p:to>
-                                        <p:strVal val="visible"/>
-                                      </p:to>
-                                    </p:set>
-                                    <p:anim calcmode="lin" valueType="num">
-                                      <p:cBhvr additive="base">
-                                        <p:cTn id="22" dur="500" fill="hold"/>
-                                        <p:tgtEl>
-                                          <p:spTgt spid="3">
-                                            <p:txEl>
-                                              <p:pRg st="6" end="6"/>
-                                            </p:txEl>
-                                          </p:spTgt>
-                                        </p:tgtEl>
-                                        <p:attrNameLst>
-                                          <p:attrName>ppt_x</p:attrName>
-                                        </p:attrNameLst>
-                                      </p:cBhvr>
-                                      <p:tavLst>
-                                        <p:tav tm="0">
-                                          <p:val>
-                                            <p:strVal val="#ppt_x"/>
-                                          </p:val>
-                                        </p:tav>
-                                        <p:tav tm="100000">
-                                          <p:val>
-                                            <p:strVal val="#ppt_x"/>
-                                          </p:val>
-                                        </p:tav>
-                                      </p:tavLst>
-                                    </p:anim>
-                                    <p:anim calcmode="lin" valueType="num">
-                                      <p:cBhvr additive="base">
-                                        <p:cTn id="23" dur="500" fill="hold"/>
-                                        <p:tgtEl>
-                                          <p:spTgt spid="3">
-                                            <p:txEl>
-                                              <p:pRg st="6" end="6"/>
                                             </p:txEl>
                                           </p:spTgt>
                                         </p:tgtEl>
@@ -6126,26 +6080,26 @@
                     </p:cTn>
                   </p:par>
                   <p:par>
-                    <p:cTn id="24" fill="hold">
+                    <p:cTn id="22" fill="hold">
                       <p:stCondLst>
                         <p:cond delay="indefinite"/>
                       </p:stCondLst>
                       <p:childTnLst>
                         <p:par>
-                          <p:cTn id="25" fill="hold">
+                          <p:cTn id="23" fill="hold">
                             <p:stCondLst>
                               <p:cond delay="0"/>
                             </p:stCondLst>
                             <p:childTnLst>
                               <p:par>
-                                <p:cTn id="26" presetID="2" presetClass="entr" presetSubtype="4" fill="hold" grpId="0" nodeType="clickEffect">
+                                <p:cTn id="24" presetID="2" presetClass="entr" presetSubtype="4" fill="hold" grpId="0" nodeType="clickEffect">
                                   <p:stCondLst>
                                     <p:cond delay="0"/>
                                   </p:stCondLst>
                                   <p:childTnLst>
                                     <p:set>
                                       <p:cBhvr>
-                                        <p:cTn id="27" dur="1" fill="hold">
+                                        <p:cTn id="25" dur="1" fill="hold">
                                           <p:stCondLst>
                                             <p:cond delay="0"/>
                                           </p:stCondLst>
@@ -6153,7 +6107,7 @@
                                         <p:tgtEl>
                                           <p:spTgt spid="3">
                                             <p:txEl>
-                                              <p:pRg st="8" end="8"/>
+                                              <p:pRg st="6" end="6"/>
                                             </p:txEl>
                                           </p:spTgt>
                                         </p:tgtEl>
@@ -6167,11 +6121,11 @@
                                     </p:set>
                                     <p:anim calcmode="lin" valueType="num">
                                       <p:cBhvr additive="base">
-                                        <p:cTn id="28" dur="500" fill="hold"/>
+                                        <p:cTn id="26" dur="500" fill="hold"/>
                                         <p:tgtEl>
                                           <p:spTgt spid="3">
                                             <p:txEl>
-                                              <p:pRg st="8" end="8"/>
+                                              <p:pRg st="6" end="6"/>
                                             </p:txEl>
                                           </p:spTgt>
                                         </p:tgtEl>
@@ -6194,11 +6148,11 @@
                                     </p:anim>
                                     <p:anim calcmode="lin" valueType="num">
                                       <p:cBhvr additive="base">
-                                        <p:cTn id="29" dur="500" fill="hold"/>
+                                        <p:cTn id="27" dur="500" fill="hold"/>
                                         <p:tgtEl>
                                           <p:spTgt spid="3">
                                             <p:txEl>
-                                              <p:pRg st="8" end="8"/>
+                                              <p:pRg st="6" end="6"/>
                                             </p:txEl>
                                           </p:spTgt>
                                         </p:tgtEl>
@@ -6222,8 +6176,26 @@
                                   </p:childTnLst>
                                 </p:cTn>
                               </p:par>
+                            </p:childTnLst>
+                          </p:cTn>
+                        </p:par>
+                      </p:childTnLst>
+                    </p:cTn>
+                  </p:par>
+                  <p:par>
+                    <p:cTn id="28" fill="hold">
+                      <p:stCondLst>
+                        <p:cond delay="indefinite"/>
+                      </p:stCondLst>
+                      <p:childTnLst>
+                        <p:par>
+                          <p:cTn id="29" fill="hold">
+                            <p:stCondLst>
+                              <p:cond delay="0"/>
+                            </p:stCondLst>
+                            <p:childTnLst>
                               <p:par>
-                                <p:cTn id="30" presetID="2" presetClass="entr" presetSubtype="4" fill="hold" grpId="0" nodeType="withEffect">
+                                <p:cTn id="30" presetID="2" presetClass="entr" presetSubtype="4" fill="hold" grpId="0" nodeType="clickEffect">
                                   <p:stCondLst>
                                     <p:cond delay="0"/>
                                   </p:stCondLst>
@@ -6238,7 +6210,7 @@
                                         <p:tgtEl>
                                           <p:spTgt spid="3">
                                             <p:txEl>
-                                              <p:pRg st="10" end="10"/>
+                                              <p:pRg st="8" end="8"/>
                                             </p:txEl>
                                           </p:spTgt>
                                         </p:tgtEl>
@@ -6256,7 +6228,7 @@
                                         <p:tgtEl>
                                           <p:spTgt spid="3">
                                             <p:txEl>
-                                              <p:pRg st="10" end="10"/>
+                                              <p:pRg st="8" end="8"/>
                                             </p:txEl>
                                           </p:spTgt>
                                         </p:tgtEl>
@@ -6280,6 +6252,91 @@
                                     <p:anim calcmode="lin" valueType="num">
                                       <p:cBhvr additive="base">
                                         <p:cTn id="33" dur="500" fill="hold"/>
+                                        <p:tgtEl>
+                                          <p:spTgt spid="3">
+                                            <p:txEl>
+                                              <p:pRg st="8" end="8"/>
+                                            </p:txEl>
+                                          </p:spTgt>
+                                        </p:tgtEl>
+                                        <p:attrNameLst>
+                                          <p:attrName>ppt_y</p:attrName>
+                                        </p:attrNameLst>
+                                      </p:cBhvr>
+                                      <p:tavLst>
+                                        <p:tav tm="0">
+                                          <p:val>
+                                            <p:strVal val="1+#ppt_h/2"/>
+                                          </p:val>
+                                        </p:tav>
+                                        <p:tav tm="100000">
+                                          <p:val>
+                                            <p:strVal val="#ppt_y"/>
+                                          </p:val>
+                                        </p:tav>
+                                      </p:tavLst>
+                                    </p:anim>
+                                  </p:childTnLst>
+                                </p:cTn>
+                              </p:par>
+                              <p:par>
+                                <p:cTn id="34" presetID="2" presetClass="entr" presetSubtype="4" fill="hold" grpId="0" nodeType="withEffect">
+                                  <p:stCondLst>
+                                    <p:cond delay="0"/>
+                                  </p:stCondLst>
+                                  <p:childTnLst>
+                                    <p:set>
+                                      <p:cBhvr>
+                                        <p:cTn id="35" dur="1" fill="hold">
+                                          <p:stCondLst>
+                                            <p:cond delay="0"/>
+                                          </p:stCondLst>
+                                        </p:cTn>
+                                        <p:tgtEl>
+                                          <p:spTgt spid="3">
+                                            <p:txEl>
+                                              <p:pRg st="10" end="10"/>
+                                            </p:txEl>
+                                          </p:spTgt>
+                                        </p:tgtEl>
+                                        <p:attrNameLst>
+                                          <p:attrName>style.visibility</p:attrName>
+                                        </p:attrNameLst>
+                                      </p:cBhvr>
+                                      <p:to>
+                                        <p:strVal val="visible"/>
+                                      </p:to>
+                                    </p:set>
+                                    <p:anim calcmode="lin" valueType="num">
+                                      <p:cBhvr additive="base">
+                                        <p:cTn id="36" dur="500" fill="hold"/>
+                                        <p:tgtEl>
+                                          <p:spTgt spid="3">
+                                            <p:txEl>
+                                              <p:pRg st="10" end="10"/>
+                                            </p:txEl>
+                                          </p:spTgt>
+                                        </p:tgtEl>
+                                        <p:attrNameLst>
+                                          <p:attrName>ppt_x</p:attrName>
+                                        </p:attrNameLst>
+                                      </p:cBhvr>
+                                      <p:tavLst>
+                                        <p:tav tm="0">
+                                          <p:val>
+                                            <p:strVal val="#ppt_x"/>
+                                          </p:val>
+                                        </p:tav>
+                                        <p:tav tm="100000">
+                                          <p:val>
+                                            <p:strVal val="#ppt_x"/>
+                                          </p:val>
+                                        </p:tav>
+                                      </p:tavLst>
+                                    </p:anim>
+                                    <p:anim calcmode="lin" valueType="num">
+                                      <p:cBhvr additive="base">
+                                        <p:cTn id="37" dur="500" fill="hold"/>
                                         <p:tgtEl>
                                           <p:spTgt spid="3">
                                             <p:txEl>
@@ -6378,7 +6435,18 @@
           <a:p>
             <a:r>
               <a:rPr lang="en-US" sz="4400" dirty="0" smtClean="0"/>
-              <a:t>Let’s use a program to validate</a:t>
+              <a:t>Let’s use a program to </a:t>
+            </a:r>
+            <a:r>
+              <a:rPr lang="en-US" sz="4400" dirty="0" smtClean="0"/>
+              <a:t>test</a:t>
+            </a:r>
+            <a:br>
+              <a:rPr lang="en-US" sz="4400" dirty="0" smtClean="0"/>
+            </a:br>
+            <a:r>
+              <a:rPr lang="en-US" sz="4400" dirty="0" smtClean="0"/>
+              <a:t>your Graph Paper instructions</a:t>
             </a:r>
             <a:endParaRPr lang="en-US" sz="4400" dirty="0"/>
           </a:p>
@@ -6394,10 +6462,15 @@
             <p:ph idx="1"/>
           </p:nvPr>
         </p:nvSpPr>
-        <p:spPr/>
+        <p:spPr>
+          <a:xfrm>
+            <a:off x="628650" y="1825624"/>
+            <a:ext cx="7886700" cy="4651375"/>
+          </a:xfrm>
+        </p:spPr>
         <p:txBody>
           <a:bodyPr>
-            <a:normAutofit/>
+            <a:normAutofit lnSpcReduction="10000"/>
           </a:bodyPr>
           <a:lstStyle/>
           <a:p>
@@ -6420,15 +6493,48 @@
             <a:endParaRPr lang="en-US" dirty="0" smtClean="0"/>
           </a:p>
           <a:p>
+            <a:endParaRPr lang="en-US" dirty="0" smtClean="0"/>
+          </a:p>
+          <a:p>
+            <a:r>
+              <a:rPr lang="en-US" dirty="0" smtClean="0"/>
+              <a:t>You can use the keyboard keys to try out your solution</a:t>
+            </a:r>
+          </a:p>
+          <a:p>
             <a:endParaRPr lang="en-US" dirty="0"/>
           </a:p>
           <a:p>
             <a:r>
               <a:rPr lang="en-US" dirty="0" smtClean="0"/>
-              <a:t>Did you know you can add blocks to your scratch to factor out common chunks of code, or to make a complicated section more understandable?  </a:t>
-            </a:r>
-          </a:p>
-          <a:p>
+              <a:t>Did you know you can add </a:t>
+            </a:r>
+            <a:r>
+              <a:rPr lang="en-US" dirty="0" smtClean="0"/>
+              <a:t>your very own blocks </a:t>
+            </a:r>
+            <a:r>
+              <a:rPr lang="en-US" dirty="0" smtClean="0"/>
+              <a:t>to your </a:t>
+            </a:r>
+            <a:r>
+              <a:rPr lang="en-US" dirty="0" smtClean="0"/>
+              <a:t>program?  Why?</a:t>
+            </a:r>
+          </a:p>
+          <a:p>
+            <a:r>
+              <a:rPr lang="en-US" dirty="0" smtClean="0"/>
+              <a:t>Good for factoring </a:t>
+            </a:r>
+            <a:r>
+              <a:rPr lang="en-US" dirty="0" smtClean="0"/>
+              <a:t>out common chunks of code, or to make a complicated section more </a:t>
+            </a:r>
+            <a:r>
+              <a:rPr lang="en-US" dirty="0" smtClean="0"/>
+              <a:t>understandable </a:t>
+            </a:r>
             <a:endParaRPr lang="en-US" dirty="0"/>
           </a:p>
           <a:p>
@@ -6445,29 +6551,50 @@
           <a:p>
             <a:r>
               <a:rPr lang="en-US" dirty="0" smtClean="0"/>
-              <a:t>Drag blocks that you or your partner used and validate </a:t>
-            </a:r>
-          </a:p>
-          <a:p>
+              <a:t>Drag blocks that you or your partner </a:t>
+            </a:r>
             <a:r>
               <a:rPr lang="en-US" dirty="0" smtClean="0"/>
-              <a:t>To validate, set the size, then </a:t>
-            </a:r>
-            <a:r>
-              <a:rPr lang="en-US" dirty="0" err="1" smtClean="0"/>
-              <a:t>Paing</a:t>
-            </a:r>
+              <a:t>wrote and test it</a:t>
+            </a:r>
+            <a:endParaRPr lang="en-US" dirty="0" smtClean="0"/>
+          </a:p>
+          <a:p>
             <a:r>
               <a:rPr lang="en-US" dirty="0" smtClean="0"/>
-              <a:t> Grid, then </a:t>
-            </a:r>
-            <a:r>
-              <a:rPr lang="en-US" dirty="0" err="1" smtClean="0"/>
-              <a:t>doubleclick</a:t>
+              <a:t>To </a:t>
             </a:r>
             <a:r>
               <a:rPr lang="en-US" dirty="0" smtClean="0"/>
-              <a:t> the commands you put in.</a:t>
+              <a:t>validate via More Blocks, </a:t>
+            </a:r>
+            <a:r>
+              <a:rPr lang="en-US" dirty="0" smtClean="0"/>
+              <a:t>set the size, then </a:t>
+            </a:r>
+            <a:r>
+              <a:rPr lang="en-US" dirty="0" smtClean="0"/>
+              <a:t>(Paint Grid), </a:t>
+            </a:r>
+            <a:r>
+              <a:rPr lang="en-US" dirty="0" smtClean="0"/>
+              <a:t>then </a:t>
+            </a:r>
+            <a:r>
+              <a:rPr lang="en-US" dirty="0" smtClean="0"/>
+              <a:t>double-click </a:t>
+            </a:r>
+            <a:r>
+              <a:rPr lang="en-US" dirty="0" smtClean="0"/>
+              <a:t>the </a:t>
+            </a:r>
+            <a:r>
+              <a:rPr lang="en-US" dirty="0" smtClean="0"/>
+              <a:t>command list </a:t>
+            </a:r>
+            <a:r>
+              <a:rPr lang="en-US" dirty="0" smtClean="0"/>
+              <a:t>you put in.</a:t>
             </a:r>
           </a:p>
           <a:p>
@@ -6504,9 +6631,901 @@
   <p:timing>
     <p:tnLst>
       <p:par>
-        <p:cTn id="1" dur="indefinite" restart="never" nodeType="tmRoot"/>
+        <p:cTn id="1" dur="indefinite" restart="never" nodeType="tmRoot">
+          <p:childTnLst>
+            <p:seq concurrent="1" nextAc="seek">
+              <p:cTn id="2" dur="indefinite" nodeType="mainSeq">
+                <p:childTnLst>
+                  <p:par>
+                    <p:cTn id="3" fill="hold">
+                      <p:stCondLst>
+                        <p:cond delay="indefinite"/>
+                      </p:stCondLst>
+                      <p:childTnLst>
+                        <p:par>
+                          <p:cTn id="4" fill="hold">
+                            <p:stCondLst>
+                              <p:cond delay="0"/>
+                            </p:stCondLst>
+                            <p:childTnLst>
+                              <p:par>
+                                <p:cTn id="5" presetID="42" presetClass="entr" presetSubtype="0" fill="hold" grpId="0" nodeType="clickEffect">
+                                  <p:stCondLst>
+                                    <p:cond delay="0"/>
+                                  </p:stCondLst>
+                                  <p:childTnLst>
+                                    <p:set>
+                                      <p:cBhvr>
+                                        <p:cTn id="6" dur="1" fill="hold">
+                                          <p:stCondLst>
+                                            <p:cond delay="0"/>
+                                          </p:stCondLst>
+                                        </p:cTn>
+                                        <p:tgtEl>
+                                          <p:spTgt spid="3">
+                                            <p:txEl>
+                                              <p:pRg st="0" end="0"/>
+                                            </p:txEl>
+                                          </p:spTgt>
+                                        </p:tgtEl>
+                                        <p:attrNameLst>
+                                          <p:attrName>style.visibility</p:attrName>
+                                        </p:attrNameLst>
+                                      </p:cBhvr>
+                                      <p:to>
+                                        <p:strVal val="visible"/>
+                                      </p:to>
+                                    </p:set>
+                                    <p:animEffect transition="in" filter="fade">
+                                      <p:cBhvr>
+                                        <p:cTn id="7" dur="1000"/>
+                                        <p:tgtEl>
+                                          <p:spTgt spid="3">
+                                            <p:txEl>
+                                              <p:pRg st="0" end="0"/>
+                                            </p:txEl>
+                                          </p:spTgt>
+                                        </p:tgtEl>
+                                      </p:cBhvr>
+                                    </p:animEffect>
+                                    <p:anim calcmode="lin" valueType="num">
+                                      <p:cBhvr>
+                                        <p:cTn id="8" dur="1000" fill="hold"/>
+                                        <p:tgtEl>
+                                          <p:spTgt spid="3">
+                                            <p:txEl>
+                                              <p:pRg st="0" end="0"/>
+                                            </p:txEl>
+                                          </p:spTgt>
+                                        </p:tgtEl>
+                                        <p:attrNameLst>
+                                          <p:attrName>ppt_x</p:attrName>
+                                        </p:attrNameLst>
+                                      </p:cBhvr>
+                                      <p:tavLst>
+                                        <p:tav tm="0">
+                                          <p:val>
+                                            <p:strVal val="#ppt_x"/>
+                                          </p:val>
+                                        </p:tav>
+                                        <p:tav tm="100000">
+                                          <p:val>
+                                            <p:strVal val="#ppt_x"/>
+                                          </p:val>
+                                        </p:tav>
+                                      </p:tavLst>
+                                    </p:anim>
+                                    <p:anim calcmode="lin" valueType="num">
+                                      <p:cBhvr>
+                                        <p:cTn id="9" dur="1000" fill="hold"/>
+                                        <p:tgtEl>
+                                          <p:spTgt spid="3">
+                                            <p:txEl>
+                                              <p:pRg st="0" end="0"/>
+                                            </p:txEl>
+                                          </p:spTgt>
+                                        </p:tgtEl>
+                                        <p:attrNameLst>
+                                          <p:attrName>ppt_y</p:attrName>
+                                        </p:attrNameLst>
+                                      </p:cBhvr>
+                                      <p:tavLst>
+                                        <p:tav tm="0">
+                                          <p:val>
+                                            <p:strVal val="#ppt_y+.1"/>
+                                          </p:val>
+                                        </p:tav>
+                                        <p:tav tm="100000">
+                                          <p:val>
+                                            <p:strVal val="#ppt_y"/>
+                                          </p:val>
+                                        </p:tav>
+                                      </p:tavLst>
+                                    </p:anim>
+                                  </p:childTnLst>
+                                </p:cTn>
+                              </p:par>
+                            </p:childTnLst>
+                          </p:cTn>
+                        </p:par>
+                      </p:childTnLst>
+                    </p:cTn>
+                  </p:par>
+                  <p:par>
+                    <p:cTn id="10" fill="hold">
+                      <p:stCondLst>
+                        <p:cond delay="indefinite"/>
+                      </p:stCondLst>
+                      <p:childTnLst>
+                        <p:par>
+                          <p:cTn id="11" fill="hold">
+                            <p:stCondLst>
+                              <p:cond delay="0"/>
+                            </p:stCondLst>
+                            <p:childTnLst>
+                              <p:par>
+                                <p:cTn id="12" presetID="42" presetClass="entr" presetSubtype="0" fill="hold" grpId="0" nodeType="clickEffect">
+                                  <p:stCondLst>
+                                    <p:cond delay="0"/>
+                                  </p:stCondLst>
+                                  <p:childTnLst>
+                                    <p:set>
+                                      <p:cBhvr>
+                                        <p:cTn id="13" dur="1" fill="hold">
+                                          <p:stCondLst>
+                                            <p:cond delay="0"/>
+                                          </p:stCondLst>
+                                        </p:cTn>
+                                        <p:tgtEl>
+                                          <p:spTgt spid="3">
+                                            <p:txEl>
+                                              <p:pRg st="2" end="2"/>
+                                            </p:txEl>
+                                          </p:spTgt>
+                                        </p:tgtEl>
+                                        <p:attrNameLst>
+                                          <p:attrName>style.visibility</p:attrName>
+                                        </p:attrNameLst>
+                                      </p:cBhvr>
+                                      <p:to>
+                                        <p:strVal val="visible"/>
+                                      </p:to>
+                                    </p:set>
+                                    <p:animEffect transition="in" filter="fade">
+                                      <p:cBhvr>
+                                        <p:cTn id="14" dur="1000"/>
+                                        <p:tgtEl>
+                                          <p:spTgt spid="3">
+                                            <p:txEl>
+                                              <p:pRg st="2" end="2"/>
+                                            </p:txEl>
+                                          </p:spTgt>
+                                        </p:tgtEl>
+                                      </p:cBhvr>
+                                    </p:animEffect>
+                                    <p:anim calcmode="lin" valueType="num">
+                                      <p:cBhvr>
+                                        <p:cTn id="15" dur="1000" fill="hold"/>
+                                        <p:tgtEl>
+                                          <p:spTgt spid="3">
+                                            <p:txEl>
+                                              <p:pRg st="2" end="2"/>
+                                            </p:txEl>
+                                          </p:spTgt>
+                                        </p:tgtEl>
+                                        <p:attrNameLst>
+                                          <p:attrName>ppt_x</p:attrName>
+                                        </p:attrNameLst>
+                                      </p:cBhvr>
+                                      <p:tavLst>
+                                        <p:tav tm="0">
+                                          <p:val>
+                                            <p:strVal val="#ppt_x"/>
+                                          </p:val>
+                                        </p:tav>
+                                        <p:tav tm="100000">
+                                          <p:val>
+                                            <p:strVal val="#ppt_x"/>
+                                          </p:val>
+                                        </p:tav>
+                                      </p:tavLst>
+                                    </p:anim>
+                                    <p:anim calcmode="lin" valueType="num">
+                                      <p:cBhvr>
+                                        <p:cTn id="16" dur="1000" fill="hold"/>
+                                        <p:tgtEl>
+                                          <p:spTgt spid="3">
+                                            <p:txEl>
+                                              <p:pRg st="2" end="2"/>
+                                            </p:txEl>
+                                          </p:spTgt>
+                                        </p:tgtEl>
+                                        <p:attrNameLst>
+                                          <p:attrName>ppt_y</p:attrName>
+                                        </p:attrNameLst>
+                                      </p:cBhvr>
+                                      <p:tavLst>
+                                        <p:tav tm="0">
+                                          <p:val>
+                                            <p:strVal val="#ppt_y+.1"/>
+                                          </p:val>
+                                        </p:tav>
+                                        <p:tav tm="100000">
+                                          <p:val>
+                                            <p:strVal val="#ppt_y"/>
+                                          </p:val>
+                                        </p:tav>
+                                      </p:tavLst>
+                                    </p:anim>
+                                  </p:childTnLst>
+                                </p:cTn>
+                              </p:par>
+                            </p:childTnLst>
+                          </p:cTn>
+                        </p:par>
+                      </p:childTnLst>
+                    </p:cTn>
+                  </p:par>
+                  <p:par>
+                    <p:cTn id="17" fill="hold">
+                      <p:stCondLst>
+                        <p:cond delay="indefinite"/>
+                      </p:stCondLst>
+                      <p:childTnLst>
+                        <p:par>
+                          <p:cTn id="18" fill="hold">
+                            <p:stCondLst>
+                              <p:cond delay="0"/>
+                            </p:stCondLst>
+                            <p:childTnLst>
+                              <p:par>
+                                <p:cTn id="19" presetID="42" presetClass="entr" presetSubtype="0" fill="hold" grpId="0" nodeType="clickEffect">
+                                  <p:stCondLst>
+                                    <p:cond delay="0"/>
+                                  </p:stCondLst>
+                                  <p:childTnLst>
+                                    <p:set>
+                                      <p:cBhvr>
+                                        <p:cTn id="20" dur="1" fill="hold">
+                                          <p:stCondLst>
+                                            <p:cond delay="0"/>
+                                          </p:stCondLst>
+                                        </p:cTn>
+                                        <p:tgtEl>
+                                          <p:spTgt spid="3">
+                                            <p:txEl>
+                                              <p:pRg st="4" end="4"/>
+                                            </p:txEl>
+                                          </p:spTgt>
+                                        </p:tgtEl>
+                                        <p:attrNameLst>
+                                          <p:attrName>style.visibility</p:attrName>
+                                        </p:attrNameLst>
+                                      </p:cBhvr>
+                                      <p:to>
+                                        <p:strVal val="visible"/>
+                                      </p:to>
+                                    </p:set>
+                                    <p:animEffect transition="in" filter="fade">
+                                      <p:cBhvr>
+                                        <p:cTn id="21" dur="1000"/>
+                                        <p:tgtEl>
+                                          <p:spTgt spid="3">
+                                            <p:txEl>
+                                              <p:pRg st="4" end="4"/>
+                                            </p:txEl>
+                                          </p:spTgt>
+                                        </p:tgtEl>
+                                      </p:cBhvr>
+                                    </p:animEffect>
+                                    <p:anim calcmode="lin" valueType="num">
+                                      <p:cBhvr>
+                                        <p:cTn id="22" dur="1000" fill="hold"/>
+                                        <p:tgtEl>
+                                          <p:spTgt spid="3">
+                                            <p:txEl>
+                                              <p:pRg st="4" end="4"/>
+                                            </p:txEl>
+                                          </p:spTgt>
+                                        </p:tgtEl>
+                                        <p:attrNameLst>
+                                          <p:attrName>ppt_x</p:attrName>
+                                        </p:attrNameLst>
+                                      </p:cBhvr>
+                                      <p:tavLst>
+                                        <p:tav tm="0">
+                                          <p:val>
+                                            <p:strVal val="#ppt_x"/>
+                                          </p:val>
+                                        </p:tav>
+                                        <p:tav tm="100000">
+                                          <p:val>
+                                            <p:strVal val="#ppt_x"/>
+                                          </p:val>
+                                        </p:tav>
+                                      </p:tavLst>
+                                    </p:anim>
+                                    <p:anim calcmode="lin" valueType="num">
+                                      <p:cBhvr>
+                                        <p:cTn id="23" dur="1000" fill="hold"/>
+                                        <p:tgtEl>
+                                          <p:spTgt spid="3">
+                                            <p:txEl>
+                                              <p:pRg st="4" end="4"/>
+                                            </p:txEl>
+                                          </p:spTgt>
+                                        </p:tgtEl>
+                                        <p:attrNameLst>
+                                          <p:attrName>ppt_y</p:attrName>
+                                        </p:attrNameLst>
+                                      </p:cBhvr>
+                                      <p:tavLst>
+                                        <p:tav tm="0">
+                                          <p:val>
+                                            <p:strVal val="#ppt_y+.1"/>
+                                          </p:val>
+                                        </p:tav>
+                                        <p:tav tm="100000">
+                                          <p:val>
+                                            <p:strVal val="#ppt_y"/>
+                                          </p:val>
+                                        </p:tav>
+                                      </p:tavLst>
+                                    </p:anim>
+                                  </p:childTnLst>
+                                </p:cTn>
+                              </p:par>
+                            </p:childTnLst>
+                          </p:cTn>
+                        </p:par>
+                      </p:childTnLst>
+                    </p:cTn>
+                  </p:par>
+                  <p:par>
+                    <p:cTn id="24" fill="hold">
+                      <p:stCondLst>
+                        <p:cond delay="indefinite"/>
+                      </p:stCondLst>
+                      <p:childTnLst>
+                        <p:par>
+                          <p:cTn id="25" fill="hold">
+                            <p:stCondLst>
+                              <p:cond delay="0"/>
+                            </p:stCondLst>
+                            <p:childTnLst>
+                              <p:par>
+                                <p:cTn id="26" presetID="42" presetClass="entr" presetSubtype="0" fill="hold" grpId="0" nodeType="clickEffect">
+                                  <p:stCondLst>
+                                    <p:cond delay="0"/>
+                                  </p:stCondLst>
+                                  <p:childTnLst>
+                                    <p:set>
+                                      <p:cBhvr>
+                                        <p:cTn id="27" dur="1" fill="hold">
+                                          <p:stCondLst>
+                                            <p:cond delay="0"/>
+                                          </p:stCondLst>
+                                        </p:cTn>
+                                        <p:tgtEl>
+                                          <p:spTgt spid="3">
+                                            <p:txEl>
+                                              <p:pRg st="5" end="5"/>
+                                            </p:txEl>
+                                          </p:spTgt>
+                                        </p:tgtEl>
+                                        <p:attrNameLst>
+                                          <p:attrName>style.visibility</p:attrName>
+                                        </p:attrNameLst>
+                                      </p:cBhvr>
+                                      <p:to>
+                                        <p:strVal val="visible"/>
+                                      </p:to>
+                                    </p:set>
+                                    <p:animEffect transition="in" filter="fade">
+                                      <p:cBhvr>
+                                        <p:cTn id="28" dur="1000"/>
+                                        <p:tgtEl>
+                                          <p:spTgt spid="3">
+                                            <p:txEl>
+                                              <p:pRg st="5" end="5"/>
+                                            </p:txEl>
+                                          </p:spTgt>
+                                        </p:tgtEl>
+                                      </p:cBhvr>
+                                    </p:animEffect>
+                                    <p:anim calcmode="lin" valueType="num">
+                                      <p:cBhvr>
+                                        <p:cTn id="29" dur="1000" fill="hold"/>
+                                        <p:tgtEl>
+                                          <p:spTgt spid="3">
+                                            <p:txEl>
+                                              <p:pRg st="5" end="5"/>
+                                            </p:txEl>
+                                          </p:spTgt>
+                                        </p:tgtEl>
+                                        <p:attrNameLst>
+                                          <p:attrName>ppt_x</p:attrName>
+                                        </p:attrNameLst>
+                                      </p:cBhvr>
+                                      <p:tavLst>
+                                        <p:tav tm="0">
+                                          <p:val>
+                                            <p:strVal val="#ppt_x"/>
+                                          </p:val>
+                                        </p:tav>
+                                        <p:tav tm="100000">
+                                          <p:val>
+                                            <p:strVal val="#ppt_x"/>
+                                          </p:val>
+                                        </p:tav>
+                                      </p:tavLst>
+                                    </p:anim>
+                                    <p:anim calcmode="lin" valueType="num">
+                                      <p:cBhvr>
+                                        <p:cTn id="30" dur="1000" fill="hold"/>
+                                        <p:tgtEl>
+                                          <p:spTgt spid="3">
+                                            <p:txEl>
+                                              <p:pRg st="5" end="5"/>
+                                            </p:txEl>
+                                          </p:spTgt>
+                                        </p:tgtEl>
+                                        <p:attrNameLst>
+                                          <p:attrName>ppt_y</p:attrName>
+                                        </p:attrNameLst>
+                                      </p:cBhvr>
+                                      <p:tavLst>
+                                        <p:tav tm="0">
+                                          <p:val>
+                                            <p:strVal val="#ppt_y+.1"/>
+                                          </p:val>
+                                        </p:tav>
+                                        <p:tav tm="100000">
+                                          <p:val>
+                                            <p:strVal val="#ppt_y"/>
+                                          </p:val>
+                                        </p:tav>
+                                      </p:tavLst>
+                                    </p:anim>
+                                  </p:childTnLst>
+                                </p:cTn>
+                              </p:par>
+                            </p:childTnLst>
+                          </p:cTn>
+                        </p:par>
+                      </p:childTnLst>
+                    </p:cTn>
+                  </p:par>
+                  <p:par>
+                    <p:cTn id="31" fill="hold">
+                      <p:stCondLst>
+                        <p:cond delay="indefinite"/>
+                      </p:stCondLst>
+                      <p:childTnLst>
+                        <p:par>
+                          <p:cTn id="32" fill="hold">
+                            <p:stCondLst>
+                              <p:cond delay="0"/>
+                            </p:stCondLst>
+                            <p:childTnLst>
+                              <p:par>
+                                <p:cTn id="33" presetID="42" presetClass="entr" presetSubtype="0" fill="hold" grpId="0" nodeType="clickEffect">
+                                  <p:stCondLst>
+                                    <p:cond delay="0"/>
+                                  </p:stCondLst>
+                                  <p:childTnLst>
+                                    <p:set>
+                                      <p:cBhvr>
+                                        <p:cTn id="34" dur="1" fill="hold">
+                                          <p:stCondLst>
+                                            <p:cond delay="0"/>
+                                          </p:stCondLst>
+                                        </p:cTn>
+                                        <p:tgtEl>
+                                          <p:spTgt spid="3">
+                                            <p:txEl>
+                                              <p:pRg st="6" end="6"/>
+                                            </p:txEl>
+                                          </p:spTgt>
+                                        </p:tgtEl>
+                                        <p:attrNameLst>
+                                          <p:attrName>style.visibility</p:attrName>
+                                        </p:attrNameLst>
+                                      </p:cBhvr>
+                                      <p:to>
+                                        <p:strVal val="visible"/>
+                                      </p:to>
+                                    </p:set>
+                                    <p:animEffect transition="in" filter="fade">
+                                      <p:cBhvr>
+                                        <p:cTn id="35" dur="1000"/>
+                                        <p:tgtEl>
+                                          <p:spTgt spid="3">
+                                            <p:txEl>
+                                              <p:pRg st="6" end="6"/>
+                                            </p:txEl>
+                                          </p:spTgt>
+                                        </p:tgtEl>
+                                      </p:cBhvr>
+                                    </p:animEffect>
+                                    <p:anim calcmode="lin" valueType="num">
+                                      <p:cBhvr>
+                                        <p:cTn id="36" dur="1000" fill="hold"/>
+                                        <p:tgtEl>
+                                          <p:spTgt spid="3">
+                                            <p:txEl>
+                                              <p:pRg st="6" end="6"/>
+                                            </p:txEl>
+                                          </p:spTgt>
+                                        </p:tgtEl>
+                                        <p:attrNameLst>
+                                          <p:attrName>ppt_x</p:attrName>
+                                        </p:attrNameLst>
+                                      </p:cBhvr>
+                                      <p:tavLst>
+                                        <p:tav tm="0">
+                                          <p:val>
+                                            <p:strVal val="#ppt_x"/>
+                                          </p:val>
+                                        </p:tav>
+                                        <p:tav tm="100000">
+                                          <p:val>
+                                            <p:strVal val="#ppt_x"/>
+                                          </p:val>
+                                        </p:tav>
+                                      </p:tavLst>
+                                    </p:anim>
+                                    <p:anim calcmode="lin" valueType="num">
+                                      <p:cBhvr>
+                                        <p:cTn id="37" dur="1000" fill="hold"/>
+                                        <p:tgtEl>
+                                          <p:spTgt spid="3">
+                                            <p:txEl>
+                                              <p:pRg st="6" end="6"/>
+                                            </p:txEl>
+                                          </p:spTgt>
+                                        </p:tgtEl>
+                                        <p:attrNameLst>
+                                          <p:attrName>ppt_y</p:attrName>
+                                        </p:attrNameLst>
+                                      </p:cBhvr>
+                                      <p:tavLst>
+                                        <p:tav tm="0">
+                                          <p:val>
+                                            <p:strVal val="#ppt_y+.1"/>
+                                          </p:val>
+                                        </p:tav>
+                                        <p:tav tm="100000">
+                                          <p:val>
+                                            <p:strVal val="#ppt_y"/>
+                                          </p:val>
+                                        </p:tav>
+                                      </p:tavLst>
+                                    </p:anim>
+                                  </p:childTnLst>
+                                </p:cTn>
+                              </p:par>
+                              <p:par>
+                                <p:cTn id="38" presetID="42" presetClass="entr" presetSubtype="0" fill="hold" grpId="0" nodeType="withEffect">
+                                  <p:stCondLst>
+                                    <p:cond delay="0"/>
+                                  </p:stCondLst>
+                                  <p:childTnLst>
+                                    <p:set>
+                                      <p:cBhvr>
+                                        <p:cTn id="39" dur="1" fill="hold">
+                                          <p:stCondLst>
+                                            <p:cond delay="0"/>
+                                          </p:stCondLst>
+                                        </p:cTn>
+                                        <p:tgtEl>
+                                          <p:spTgt spid="3">
+                                            <p:txEl>
+                                              <p:pRg st="7" end="7"/>
+                                            </p:txEl>
+                                          </p:spTgt>
+                                        </p:tgtEl>
+                                        <p:attrNameLst>
+                                          <p:attrName>style.visibility</p:attrName>
+                                        </p:attrNameLst>
+                                      </p:cBhvr>
+                                      <p:to>
+                                        <p:strVal val="visible"/>
+                                      </p:to>
+                                    </p:set>
+                                    <p:animEffect transition="in" filter="fade">
+                                      <p:cBhvr>
+                                        <p:cTn id="40" dur="1000"/>
+                                        <p:tgtEl>
+                                          <p:spTgt spid="3">
+                                            <p:txEl>
+                                              <p:pRg st="7" end="7"/>
+                                            </p:txEl>
+                                          </p:spTgt>
+                                        </p:tgtEl>
+                                      </p:cBhvr>
+                                    </p:animEffect>
+                                    <p:anim calcmode="lin" valueType="num">
+                                      <p:cBhvr>
+                                        <p:cTn id="41" dur="1000" fill="hold"/>
+                                        <p:tgtEl>
+                                          <p:spTgt spid="3">
+                                            <p:txEl>
+                                              <p:pRg st="7" end="7"/>
+                                            </p:txEl>
+                                          </p:spTgt>
+                                        </p:tgtEl>
+                                        <p:attrNameLst>
+                                          <p:attrName>ppt_x</p:attrName>
+                                        </p:attrNameLst>
+                                      </p:cBhvr>
+                                      <p:tavLst>
+                                        <p:tav tm="0">
+                                          <p:val>
+                                            <p:strVal val="#ppt_x"/>
+                                          </p:val>
+                                        </p:tav>
+                                        <p:tav tm="100000">
+                                          <p:val>
+                                            <p:strVal val="#ppt_x"/>
+                                          </p:val>
+                                        </p:tav>
+                                      </p:tavLst>
+                                    </p:anim>
+                                    <p:anim calcmode="lin" valueType="num">
+                                      <p:cBhvr>
+                                        <p:cTn id="42" dur="1000" fill="hold"/>
+                                        <p:tgtEl>
+                                          <p:spTgt spid="3">
+                                            <p:txEl>
+                                              <p:pRg st="7" end="7"/>
+                                            </p:txEl>
+                                          </p:spTgt>
+                                        </p:tgtEl>
+                                        <p:attrNameLst>
+                                          <p:attrName>ppt_y</p:attrName>
+                                        </p:attrNameLst>
+                                      </p:cBhvr>
+                                      <p:tavLst>
+                                        <p:tav tm="0">
+                                          <p:val>
+                                            <p:strVal val="#ppt_y+.1"/>
+                                          </p:val>
+                                        </p:tav>
+                                        <p:tav tm="100000">
+                                          <p:val>
+                                            <p:strVal val="#ppt_y"/>
+                                          </p:val>
+                                        </p:tav>
+                                      </p:tavLst>
+                                    </p:anim>
+                                  </p:childTnLst>
+                                </p:cTn>
+                              </p:par>
+                              <p:par>
+                                <p:cTn id="43" presetID="42" presetClass="entr" presetSubtype="0" fill="hold" grpId="0" nodeType="withEffect">
+                                  <p:stCondLst>
+                                    <p:cond delay="0"/>
+                                  </p:stCondLst>
+                                  <p:childTnLst>
+                                    <p:set>
+                                      <p:cBhvr>
+                                        <p:cTn id="44" dur="1" fill="hold">
+                                          <p:stCondLst>
+                                            <p:cond delay="0"/>
+                                          </p:stCondLst>
+                                        </p:cTn>
+                                        <p:tgtEl>
+                                          <p:spTgt spid="3">
+                                            <p:txEl>
+                                              <p:pRg st="8" end="8"/>
+                                            </p:txEl>
+                                          </p:spTgt>
+                                        </p:tgtEl>
+                                        <p:attrNameLst>
+                                          <p:attrName>style.visibility</p:attrName>
+                                        </p:attrNameLst>
+                                      </p:cBhvr>
+                                      <p:to>
+                                        <p:strVal val="visible"/>
+                                      </p:to>
+                                    </p:set>
+                                    <p:animEffect transition="in" filter="fade">
+                                      <p:cBhvr>
+                                        <p:cTn id="45" dur="1000"/>
+                                        <p:tgtEl>
+                                          <p:spTgt spid="3">
+                                            <p:txEl>
+                                              <p:pRg st="8" end="8"/>
+                                            </p:txEl>
+                                          </p:spTgt>
+                                        </p:tgtEl>
+                                      </p:cBhvr>
+                                    </p:animEffect>
+                                    <p:anim calcmode="lin" valueType="num">
+                                      <p:cBhvr>
+                                        <p:cTn id="46" dur="1000" fill="hold"/>
+                                        <p:tgtEl>
+                                          <p:spTgt spid="3">
+                                            <p:txEl>
+                                              <p:pRg st="8" end="8"/>
+                                            </p:txEl>
+                                          </p:spTgt>
+                                        </p:tgtEl>
+                                        <p:attrNameLst>
+                                          <p:attrName>ppt_x</p:attrName>
+                                        </p:attrNameLst>
+                                      </p:cBhvr>
+                                      <p:tavLst>
+                                        <p:tav tm="0">
+                                          <p:val>
+                                            <p:strVal val="#ppt_x"/>
+                                          </p:val>
+                                        </p:tav>
+                                        <p:tav tm="100000">
+                                          <p:val>
+                                            <p:strVal val="#ppt_x"/>
+                                          </p:val>
+                                        </p:tav>
+                                      </p:tavLst>
+                                    </p:anim>
+                                    <p:anim calcmode="lin" valueType="num">
+                                      <p:cBhvr>
+                                        <p:cTn id="47" dur="1000" fill="hold"/>
+                                        <p:tgtEl>
+                                          <p:spTgt spid="3">
+                                            <p:txEl>
+                                              <p:pRg st="8" end="8"/>
+                                            </p:txEl>
+                                          </p:spTgt>
+                                        </p:tgtEl>
+                                        <p:attrNameLst>
+                                          <p:attrName>ppt_y</p:attrName>
+                                        </p:attrNameLst>
+                                      </p:cBhvr>
+                                      <p:tavLst>
+                                        <p:tav tm="0">
+                                          <p:val>
+                                            <p:strVal val="#ppt_y+.1"/>
+                                          </p:val>
+                                        </p:tav>
+                                        <p:tav tm="100000">
+                                          <p:val>
+                                            <p:strVal val="#ppt_y"/>
+                                          </p:val>
+                                        </p:tav>
+                                      </p:tavLst>
+                                    </p:anim>
+                                  </p:childTnLst>
+                                </p:cTn>
+                              </p:par>
+                              <p:par>
+                                <p:cTn id="48" presetID="42" presetClass="entr" presetSubtype="0" fill="hold" grpId="0" nodeType="withEffect">
+                                  <p:stCondLst>
+                                    <p:cond delay="0"/>
+                                  </p:stCondLst>
+                                  <p:childTnLst>
+                                    <p:set>
+                                      <p:cBhvr>
+                                        <p:cTn id="49" dur="1" fill="hold">
+                                          <p:stCondLst>
+                                            <p:cond delay="0"/>
+                                          </p:stCondLst>
+                                        </p:cTn>
+                                        <p:tgtEl>
+                                          <p:spTgt spid="3">
+                                            <p:txEl>
+                                              <p:pRg st="9" end="9"/>
+                                            </p:txEl>
+                                          </p:spTgt>
+                                        </p:tgtEl>
+                                        <p:attrNameLst>
+                                          <p:attrName>style.visibility</p:attrName>
+                                        </p:attrNameLst>
+                                      </p:cBhvr>
+                                      <p:to>
+                                        <p:strVal val="visible"/>
+                                      </p:to>
+                                    </p:set>
+                                    <p:animEffect transition="in" filter="fade">
+                                      <p:cBhvr>
+                                        <p:cTn id="50" dur="1000"/>
+                                        <p:tgtEl>
+                                          <p:spTgt spid="3">
+                                            <p:txEl>
+                                              <p:pRg st="9" end="9"/>
+                                            </p:txEl>
+                                          </p:spTgt>
+                                        </p:tgtEl>
+                                      </p:cBhvr>
+                                    </p:animEffect>
+                                    <p:anim calcmode="lin" valueType="num">
+                                      <p:cBhvr>
+                                        <p:cTn id="51" dur="1000" fill="hold"/>
+                                        <p:tgtEl>
+                                          <p:spTgt spid="3">
+                                            <p:txEl>
+                                              <p:pRg st="9" end="9"/>
+                                            </p:txEl>
+                                          </p:spTgt>
+                                        </p:tgtEl>
+                                        <p:attrNameLst>
+                                          <p:attrName>ppt_x</p:attrName>
+                                        </p:attrNameLst>
+                                      </p:cBhvr>
+                                      <p:tavLst>
+                                        <p:tav tm="0">
+                                          <p:val>
+                                            <p:strVal val="#ppt_x"/>
+                                          </p:val>
+                                        </p:tav>
+                                        <p:tav tm="100000">
+                                          <p:val>
+                                            <p:strVal val="#ppt_x"/>
+                                          </p:val>
+                                        </p:tav>
+                                      </p:tavLst>
+                                    </p:anim>
+                                    <p:anim calcmode="lin" valueType="num">
+                                      <p:cBhvr>
+                                        <p:cTn id="52" dur="1000" fill="hold"/>
+                                        <p:tgtEl>
+                                          <p:spTgt spid="3">
+                                            <p:txEl>
+                                              <p:pRg st="9" end="9"/>
+                                            </p:txEl>
+                                          </p:spTgt>
+                                        </p:tgtEl>
+                                        <p:attrNameLst>
+                                          <p:attrName>ppt_y</p:attrName>
+                                        </p:attrNameLst>
+                                      </p:cBhvr>
+                                      <p:tavLst>
+                                        <p:tav tm="0">
+                                          <p:val>
+                                            <p:strVal val="#ppt_y+.1"/>
+                                          </p:val>
+                                        </p:tav>
+                                        <p:tav tm="100000">
+                                          <p:val>
+                                            <p:strVal val="#ppt_y"/>
+                                          </p:val>
+                                        </p:tav>
+                                      </p:tavLst>
+                                    </p:anim>
+                                  </p:childTnLst>
+                                </p:cTn>
+                              </p:par>
+                            </p:childTnLst>
+                          </p:cTn>
+                        </p:par>
+                      </p:childTnLst>
+                    </p:cTn>
+                  </p:par>
+                </p:childTnLst>
+              </p:cTn>
+              <p:prevCondLst>
+                <p:cond evt="onPrev" delay="0">
+                  <p:tgtEl>
+                    <p:sldTgt/>
+                  </p:tgtEl>
+                </p:cond>
+              </p:prevCondLst>
+              <p:nextCondLst>
+                <p:cond evt="onNext" delay="0">
+                  <p:tgtEl>
+                    <p:sldTgt/>
+                  </p:tgtEl>
+                </p:cond>
+              </p:nextCondLst>
+            </p:seq>
+          </p:childTnLst>
+        </p:cTn>
       </p:par>
     </p:tnLst>
+    <p:bldLst>
+      <p:bldP spid="3" grpId="0" uiExpand="1" build="p"/>
+    </p:bldLst>
   </p:timing>
 </p:sld>
 </file>
@@ -6892,7 +7911,11 @@
           <a:p>
             <a:r>
               <a:rPr lang="en-US" sz="4400" b="1" dirty="0" smtClean="0"/>
-              <a:t>Lists are data</a:t>
+              <a:t>Lists are </a:t>
+            </a:r>
+            <a:r>
+              <a:rPr lang="en-US" sz="4400" b="1" dirty="0" smtClean="0"/>
+              <a:t>for storing data</a:t>
             </a:r>
             <a:endParaRPr lang="en-US" sz="4400" b="1" dirty="0"/>
           </a:p>
@@ -6916,7 +7939,7 @@
         </p:spPr>
         <p:txBody>
           <a:bodyPr>
-            <a:normAutofit lnSpcReduction="10000"/>
+            <a:normAutofit fontScale="92500"/>
           </a:bodyPr>
           <a:lstStyle/>
           <a:p>
@@ -6925,36 +7948,41 @@
               <a:t>You can make a list of </a:t>
             </a:r>
             <a:r>
-              <a:rPr lang="en-US" sz="2800" dirty="0" err="1" smtClean="0"/>
-              <a:t>const</a:t>
-            </a:r>
-            <a:r>
               <a:rPr lang="en-US" sz="2800" dirty="0" smtClean="0"/>
-              <a:t> data.  </a:t>
-            </a:r>
-          </a:p>
-          <a:p>
+              <a:t>constant data</a:t>
+            </a:r>
             <a:r>
               <a:rPr lang="en-US" sz="2800" dirty="0" smtClean="0"/>
-              <a:t>I’ll </a:t>
-            </a:r>
+              <a:t>.  </a:t>
+            </a:r>
+          </a:p>
+          <a:p>
             <a:r>
               <a:rPr lang="en-US" sz="2800" dirty="0" smtClean="0"/>
-              <a:t>add </a:t>
-            </a:r>
+              <a:t>I’ll add ‘preferred colors’ </a:t>
+            </a:r>
+          </a:p>
+          <a:p>
+            <a:endParaRPr lang="en-US" sz="2800" dirty="0"/>
+          </a:p>
+          <a:p>
             <a:r>
               <a:rPr lang="en-US" sz="2800" dirty="0" smtClean="0"/>
-              <a:t>‘preferred colors’ </a:t>
-            </a:r>
-          </a:p>
-          <a:p>
-            <a:endParaRPr lang="en-US" sz="2800" dirty="0"/>
-          </a:p>
-          <a:p>
+              <a:t>You can gather a user’s </a:t>
+            </a:r>
             <a:r>
               <a:rPr lang="en-US" sz="2800" dirty="0" smtClean="0"/>
-              <a:t>You can gather a user’s preference or actions for use later.</a:t>
-            </a:r>
+              <a:t>actions </a:t>
+            </a:r>
+            <a:r>
+              <a:rPr lang="en-US" sz="2800" dirty="0" smtClean="0"/>
+              <a:t>for </a:t>
+            </a:r>
+            <a:r>
+              <a:rPr lang="en-US" sz="2800" dirty="0" smtClean="0"/>
+              <a:t>history or to use later</a:t>
+            </a:r>
+            <a:endParaRPr lang="en-US" sz="2800" dirty="0" smtClean="0"/>
           </a:p>
           <a:p>
             <a:r>
@@ -7209,15 +8237,7 @@
           <a:p>
             <a:r>
               <a:rPr lang="en-US" dirty="0" smtClean="0"/>
-              <a:t>Using a </a:t>
-            </a:r>
-            <a:r>
-              <a:rPr lang="en-US" dirty="0" smtClean="0"/>
-              <a:t>Scratch color </a:t>
-            </a:r>
-            <a:r>
-              <a:rPr lang="en-US" dirty="0" smtClean="0"/>
-              <a:t>list</a:t>
+              <a:t>Using a Scratch color list</a:t>
             </a:r>
             <a:endParaRPr lang="en-US" dirty="0"/>
           </a:p>
@@ -7248,13 +8268,16 @@
           <a:p>
             <a:r>
               <a:rPr lang="en-US" dirty="0" smtClean="0"/>
-              <a:t>What are the ‘standard colors’?  </a:t>
+              <a:t>What are the ‘standard colors’?  Here’s </a:t>
             </a:r>
             <a:r>
               <a:rPr lang="en-US" dirty="0" smtClean="0"/>
-              <a:t>Here’s a loose list….</a:t>
-            </a:r>
-            <a:endParaRPr lang="en-US" dirty="0" smtClean="0"/>
+              <a:t>my list</a:t>
+            </a:r>
+            <a:r>
+              <a:rPr lang="en-US" dirty="0" smtClean="0"/>
+              <a:t>….</a:t>
+            </a:r>
           </a:p>
           <a:p>
             <a:r>
@@ -7308,15 +8331,15 @@
                   <a:srgbClr val="7030A0"/>
                 </a:solidFill>
               </a:rPr>
-              <a:t>’ which looped thru on ‘c’ </a:t>
-            </a:r>
-            <a:r>
-              <a:rPr lang="en-US" sz="2600" dirty="0" err="1" smtClean="0">
+              <a:t>’ which looped thru </a:t>
+            </a:r>
+            <a:r>
+              <a:rPr lang="en-US" sz="2600" dirty="0" smtClean="0">
                 <a:solidFill>
                   <a:srgbClr val="7030A0"/>
                 </a:solidFill>
               </a:rPr>
-              <a:t>keypress</a:t>
+              <a:t>(on press of ‘c’)</a:t>
             </a:r>
             <a:endParaRPr lang="en-US" sz="2600" dirty="0" smtClean="0">
               <a:solidFill>
@@ -7695,6 +8718,87 @@
                                   </p:childTnLst>
                                 </p:cTn>
                               </p:par>
+                              <p:par>
+                                <p:cTn id="15" presetID="42" presetClass="entr" presetSubtype="0" fill="hold" nodeType="withEffect">
+                                  <p:stCondLst>
+                                    <p:cond delay="0"/>
+                                  </p:stCondLst>
+                                  <p:childTnLst>
+                                    <p:set>
+                                      <p:cBhvr>
+                                        <p:cTn id="16" dur="1" fill="hold">
+                                          <p:stCondLst>
+                                            <p:cond delay="0"/>
+                                          </p:stCondLst>
+                                        </p:cTn>
+                                        <p:tgtEl>
+                                          <p:spTgt spid="3074"/>
+                                        </p:tgtEl>
+                                        <p:attrNameLst>
+                                          <p:attrName>style.visibility</p:attrName>
+                                        </p:attrNameLst>
+                                      </p:cBhvr>
+                                      <p:to>
+                                        <p:strVal val="visible"/>
+                                      </p:to>
+                                    </p:set>
+                                    <p:animEffect transition="in" filter="fade">
+                                      <p:cBhvr>
+                                        <p:cTn id="17" dur="1000"/>
+                                        <p:tgtEl>
+                                          <p:spTgt spid="3074"/>
+                                        </p:tgtEl>
+                                      </p:cBhvr>
+                                    </p:animEffect>
+                                    <p:anim calcmode="lin" valueType="num">
+                                      <p:cBhvr>
+                                        <p:cTn id="18" dur="1000" fill="hold"/>
+                                        <p:tgtEl>
+                                          <p:spTgt spid="3074"/>
+                                        </p:tgtEl>
+                                        <p:attrNameLst>
+                                          <p:attrName>ppt_x</p:attrName>
+                                        </p:attrNameLst>
+                                      </p:cBhvr>
+                                      <p:tavLst>
+                                        <p:tav tm="0">
+                                          <p:val>
+                                            <p:strVal val="#ppt_x"/>
+                                          </p:val>
+                                        </p:tav>
+                                        <p:tav tm="100000">
+                                          <p:val>
+                                            <p:strVal val="#ppt_x"/>
+                                          </p:val>
+                                        </p:tav>
+                                      </p:tavLst>
+                                    </p:anim>
+                                    <p:anim calcmode="lin" valueType="num">
+                                      <p:cBhvr>
+                                        <p:cTn id="19" dur="1000" fill="hold"/>
+                                        <p:tgtEl>
+                                          <p:spTgt spid="3074"/>
+                                        </p:tgtEl>
+                                        <p:attrNameLst>
+                                          <p:attrName>ppt_y</p:attrName>
+                                        </p:attrNameLst>
+                                      </p:cBhvr>
+                                      <p:tavLst>
+                                        <p:tav tm="0">
+                                          <p:val>
+                                            <p:strVal val="#ppt_y+.1"/>
+                                          </p:val>
+                                        </p:tav>
+                                        <p:tav tm="100000">
+                                          <p:val>
+                                            <p:strVal val="#ppt_y"/>
+                                          </p:val>
+                                        </p:tav>
+                                      </p:tavLst>
+                                    </p:anim>
+                                  </p:childTnLst>
+                                </p:cTn>
+                              </p:par>
                             </p:childTnLst>
                           </p:cTn>
                         </p:par>
@@ -7702,26 +8806,26 @@
                     </p:cTn>
                   </p:par>
                   <p:par>
-                    <p:cTn id="15" fill="hold">
+                    <p:cTn id="20" fill="hold">
                       <p:stCondLst>
                         <p:cond delay="indefinite"/>
                       </p:stCondLst>
                       <p:childTnLst>
                         <p:par>
-                          <p:cTn id="16" fill="hold">
+                          <p:cTn id="21" fill="hold">
                             <p:stCondLst>
                               <p:cond delay="0"/>
                             </p:stCondLst>
                             <p:childTnLst>
                               <p:par>
-                                <p:cTn id="17" presetID="2" presetClass="entr" presetSubtype="4" fill="hold" grpId="0" nodeType="clickEffect">
+                                <p:cTn id="22" presetID="2" presetClass="entr" presetSubtype="4" fill="hold" grpId="0" nodeType="clickEffect">
                                   <p:stCondLst>
                                     <p:cond delay="0"/>
                                   </p:stCondLst>
                                   <p:childTnLst>
                                     <p:set>
                                       <p:cBhvr>
-                                        <p:cTn id="18" dur="1" fill="hold">
+                                        <p:cTn id="23" dur="1" fill="hold">
                                           <p:stCondLst>
                                             <p:cond delay="0"/>
                                           </p:stCondLst>
@@ -7743,7 +8847,7 @@
                                     </p:set>
                                     <p:anim calcmode="lin" valueType="num">
                                       <p:cBhvr additive="base">
-                                        <p:cTn id="19" dur="500" fill="hold"/>
+                                        <p:cTn id="24" dur="500" fill="hold"/>
                                         <p:tgtEl>
                                           <p:spTgt spid="3">
                                             <p:txEl>
@@ -7770,11 +8874,383 @@
                                     </p:anim>
                                     <p:anim calcmode="lin" valueType="num">
                                       <p:cBhvr additive="base">
-                                        <p:cTn id="20" dur="500" fill="hold"/>
+                                        <p:cTn id="25" dur="500" fill="hold"/>
                                         <p:tgtEl>
                                           <p:spTgt spid="3">
                                             <p:txEl>
                                               <p:pRg st="2" end="2"/>
+                                            </p:txEl>
+                                          </p:spTgt>
+                                        </p:tgtEl>
+                                        <p:attrNameLst>
+                                          <p:attrName>ppt_y</p:attrName>
+                                        </p:attrNameLst>
+                                      </p:cBhvr>
+                                      <p:tavLst>
+                                        <p:tav tm="0">
+                                          <p:val>
+                                            <p:strVal val="1+#ppt_h/2"/>
+                                          </p:val>
+                                        </p:tav>
+                                        <p:tav tm="100000">
+                                          <p:val>
+                                            <p:strVal val="#ppt_y"/>
+                                          </p:val>
+                                        </p:tav>
+                                      </p:tavLst>
+                                    </p:anim>
+                                  </p:childTnLst>
+                                </p:cTn>
+                              </p:par>
+                            </p:childTnLst>
+                          </p:cTn>
+                        </p:par>
+                      </p:childTnLst>
+                    </p:cTn>
+                  </p:par>
+                  <p:par>
+                    <p:cTn id="26" fill="hold">
+                      <p:stCondLst>
+                        <p:cond delay="indefinite"/>
+                      </p:stCondLst>
+                      <p:childTnLst>
+                        <p:par>
+                          <p:cTn id="27" fill="hold">
+                            <p:stCondLst>
+                              <p:cond delay="0"/>
+                            </p:stCondLst>
+                            <p:childTnLst>
+                              <p:par>
+                                <p:cTn id="28" presetID="2" presetClass="entr" presetSubtype="4" fill="hold" grpId="0" nodeType="clickEffect">
+                                  <p:stCondLst>
+                                    <p:cond delay="0"/>
+                                  </p:stCondLst>
+                                  <p:childTnLst>
+                                    <p:set>
+                                      <p:cBhvr>
+                                        <p:cTn id="29" dur="1" fill="hold">
+                                          <p:stCondLst>
+                                            <p:cond delay="0"/>
+                                          </p:stCondLst>
+                                        </p:cTn>
+                                        <p:tgtEl>
+                                          <p:spTgt spid="3">
+                                            <p:txEl>
+                                              <p:pRg st="4" end="4"/>
+                                            </p:txEl>
+                                          </p:spTgt>
+                                        </p:tgtEl>
+                                        <p:attrNameLst>
+                                          <p:attrName>style.visibility</p:attrName>
+                                        </p:attrNameLst>
+                                      </p:cBhvr>
+                                      <p:to>
+                                        <p:strVal val="visible"/>
+                                      </p:to>
+                                    </p:set>
+                                    <p:anim calcmode="lin" valueType="num">
+                                      <p:cBhvr additive="base">
+                                        <p:cTn id="30" dur="500" fill="hold"/>
+                                        <p:tgtEl>
+                                          <p:spTgt spid="3">
+                                            <p:txEl>
+                                              <p:pRg st="4" end="4"/>
+                                            </p:txEl>
+                                          </p:spTgt>
+                                        </p:tgtEl>
+                                        <p:attrNameLst>
+                                          <p:attrName>ppt_x</p:attrName>
+                                        </p:attrNameLst>
+                                      </p:cBhvr>
+                                      <p:tavLst>
+                                        <p:tav tm="0">
+                                          <p:val>
+                                            <p:strVal val="#ppt_x"/>
+                                          </p:val>
+                                        </p:tav>
+                                        <p:tav tm="100000">
+                                          <p:val>
+                                            <p:strVal val="#ppt_x"/>
+                                          </p:val>
+                                        </p:tav>
+                                      </p:tavLst>
+                                    </p:anim>
+                                    <p:anim calcmode="lin" valueType="num">
+                                      <p:cBhvr additive="base">
+                                        <p:cTn id="31" dur="500" fill="hold"/>
+                                        <p:tgtEl>
+                                          <p:spTgt spid="3">
+                                            <p:txEl>
+                                              <p:pRg st="4" end="4"/>
+                                            </p:txEl>
+                                          </p:spTgt>
+                                        </p:tgtEl>
+                                        <p:attrNameLst>
+                                          <p:attrName>ppt_y</p:attrName>
+                                        </p:attrNameLst>
+                                      </p:cBhvr>
+                                      <p:tavLst>
+                                        <p:tav tm="0">
+                                          <p:val>
+                                            <p:strVal val="1+#ppt_h/2"/>
+                                          </p:val>
+                                        </p:tav>
+                                        <p:tav tm="100000">
+                                          <p:val>
+                                            <p:strVal val="#ppt_y"/>
+                                          </p:val>
+                                        </p:tav>
+                                      </p:tavLst>
+                                    </p:anim>
+                                  </p:childTnLst>
+                                </p:cTn>
+                              </p:par>
+                            </p:childTnLst>
+                          </p:cTn>
+                        </p:par>
+                      </p:childTnLst>
+                    </p:cTn>
+                  </p:par>
+                  <p:par>
+                    <p:cTn id="32" fill="hold">
+                      <p:stCondLst>
+                        <p:cond delay="indefinite"/>
+                      </p:stCondLst>
+                      <p:childTnLst>
+                        <p:par>
+                          <p:cTn id="33" fill="hold">
+                            <p:stCondLst>
+                              <p:cond delay="0"/>
+                            </p:stCondLst>
+                            <p:childTnLst>
+                              <p:par>
+                                <p:cTn id="34" presetID="2" presetClass="entr" presetSubtype="4" fill="hold" grpId="0" nodeType="clickEffect">
+                                  <p:stCondLst>
+                                    <p:cond delay="0"/>
+                                  </p:stCondLst>
+                                  <p:childTnLst>
+                                    <p:set>
+                                      <p:cBhvr>
+                                        <p:cTn id="35" dur="1" fill="hold">
+                                          <p:stCondLst>
+                                            <p:cond delay="0"/>
+                                          </p:stCondLst>
+                                        </p:cTn>
+                                        <p:tgtEl>
+                                          <p:spTgt spid="3">
+                                            <p:txEl>
+                                              <p:pRg st="6" end="6"/>
+                                            </p:txEl>
+                                          </p:spTgt>
+                                        </p:tgtEl>
+                                        <p:attrNameLst>
+                                          <p:attrName>style.visibility</p:attrName>
+                                        </p:attrNameLst>
+                                      </p:cBhvr>
+                                      <p:to>
+                                        <p:strVal val="visible"/>
+                                      </p:to>
+                                    </p:set>
+                                    <p:anim calcmode="lin" valueType="num">
+                                      <p:cBhvr additive="base">
+                                        <p:cTn id="36" dur="500" fill="hold"/>
+                                        <p:tgtEl>
+                                          <p:spTgt spid="3">
+                                            <p:txEl>
+                                              <p:pRg st="6" end="6"/>
+                                            </p:txEl>
+                                          </p:spTgt>
+                                        </p:tgtEl>
+                                        <p:attrNameLst>
+                                          <p:attrName>ppt_x</p:attrName>
+                                        </p:attrNameLst>
+                                      </p:cBhvr>
+                                      <p:tavLst>
+                                        <p:tav tm="0">
+                                          <p:val>
+                                            <p:strVal val="#ppt_x"/>
+                                          </p:val>
+                                        </p:tav>
+                                        <p:tav tm="100000">
+                                          <p:val>
+                                            <p:strVal val="#ppt_x"/>
+                                          </p:val>
+                                        </p:tav>
+                                      </p:tavLst>
+                                    </p:anim>
+                                    <p:anim calcmode="lin" valueType="num">
+                                      <p:cBhvr additive="base">
+                                        <p:cTn id="37" dur="500" fill="hold"/>
+                                        <p:tgtEl>
+                                          <p:spTgt spid="3">
+                                            <p:txEl>
+                                              <p:pRg st="6" end="6"/>
+                                            </p:txEl>
+                                          </p:spTgt>
+                                        </p:tgtEl>
+                                        <p:attrNameLst>
+                                          <p:attrName>ppt_y</p:attrName>
+                                        </p:attrNameLst>
+                                      </p:cBhvr>
+                                      <p:tavLst>
+                                        <p:tav tm="0">
+                                          <p:val>
+                                            <p:strVal val="1+#ppt_h/2"/>
+                                          </p:val>
+                                        </p:tav>
+                                        <p:tav tm="100000">
+                                          <p:val>
+                                            <p:strVal val="#ppt_y"/>
+                                          </p:val>
+                                        </p:tav>
+                                      </p:tavLst>
+                                    </p:anim>
+                                  </p:childTnLst>
+                                </p:cTn>
+                              </p:par>
+                              <p:par>
+                                <p:cTn id="38" presetID="42" presetClass="entr" presetSubtype="0" fill="hold" nodeType="withEffect">
+                                  <p:stCondLst>
+                                    <p:cond delay="0"/>
+                                  </p:stCondLst>
+                                  <p:childTnLst>
+                                    <p:set>
+                                      <p:cBhvr>
+                                        <p:cTn id="39" dur="1" fill="hold">
+                                          <p:stCondLst>
+                                            <p:cond delay="0"/>
+                                          </p:stCondLst>
+                                        </p:cTn>
+                                        <p:tgtEl>
+                                          <p:spTgt spid="3075"/>
+                                        </p:tgtEl>
+                                        <p:attrNameLst>
+                                          <p:attrName>style.visibility</p:attrName>
+                                        </p:attrNameLst>
+                                      </p:cBhvr>
+                                      <p:to>
+                                        <p:strVal val="visible"/>
+                                      </p:to>
+                                    </p:set>
+                                    <p:animEffect transition="in" filter="fade">
+                                      <p:cBhvr>
+                                        <p:cTn id="40" dur="1000"/>
+                                        <p:tgtEl>
+                                          <p:spTgt spid="3075"/>
+                                        </p:tgtEl>
+                                      </p:cBhvr>
+                                    </p:animEffect>
+                                    <p:anim calcmode="lin" valueType="num">
+                                      <p:cBhvr>
+                                        <p:cTn id="41" dur="1000" fill="hold"/>
+                                        <p:tgtEl>
+                                          <p:spTgt spid="3075"/>
+                                        </p:tgtEl>
+                                        <p:attrNameLst>
+                                          <p:attrName>ppt_x</p:attrName>
+                                        </p:attrNameLst>
+                                      </p:cBhvr>
+                                      <p:tavLst>
+                                        <p:tav tm="0">
+                                          <p:val>
+                                            <p:strVal val="#ppt_x"/>
+                                          </p:val>
+                                        </p:tav>
+                                        <p:tav tm="100000">
+                                          <p:val>
+                                            <p:strVal val="#ppt_x"/>
+                                          </p:val>
+                                        </p:tav>
+                                      </p:tavLst>
+                                    </p:anim>
+                                    <p:anim calcmode="lin" valueType="num">
+                                      <p:cBhvr>
+                                        <p:cTn id="42" dur="1000" fill="hold"/>
+                                        <p:tgtEl>
+                                          <p:spTgt spid="3075"/>
+                                        </p:tgtEl>
+                                        <p:attrNameLst>
+                                          <p:attrName>ppt_y</p:attrName>
+                                        </p:attrNameLst>
+                                      </p:cBhvr>
+                                      <p:tavLst>
+                                        <p:tav tm="0">
+                                          <p:val>
+                                            <p:strVal val="#ppt_y+.1"/>
+                                          </p:val>
+                                        </p:tav>
+                                        <p:tav tm="100000">
+                                          <p:val>
+                                            <p:strVal val="#ppt_y"/>
+                                          </p:val>
+                                        </p:tav>
+                                      </p:tavLst>
+                                    </p:anim>
+                                  </p:childTnLst>
+                                </p:cTn>
+                              </p:par>
+                              <p:par>
+                                <p:cTn id="43" presetID="2" presetClass="entr" presetSubtype="4" fill="hold" grpId="0" nodeType="withEffect">
+                                  <p:stCondLst>
+                                    <p:cond delay="0"/>
+                                  </p:stCondLst>
+                                  <p:childTnLst>
+                                    <p:set>
+                                      <p:cBhvr>
+                                        <p:cTn id="44" dur="1" fill="hold">
+                                          <p:stCondLst>
+                                            <p:cond delay="0"/>
+                                          </p:stCondLst>
+                                        </p:cTn>
+                                        <p:tgtEl>
+                                          <p:spTgt spid="3">
+                                            <p:txEl>
+                                              <p:pRg st="9" end="9"/>
+                                            </p:txEl>
+                                          </p:spTgt>
+                                        </p:tgtEl>
+                                        <p:attrNameLst>
+                                          <p:attrName>style.visibility</p:attrName>
+                                        </p:attrNameLst>
+                                      </p:cBhvr>
+                                      <p:to>
+                                        <p:strVal val="visible"/>
+                                      </p:to>
+                                    </p:set>
+                                    <p:anim calcmode="lin" valueType="num">
+                                      <p:cBhvr additive="base">
+                                        <p:cTn id="45" dur="500" fill="hold"/>
+                                        <p:tgtEl>
+                                          <p:spTgt spid="3">
+                                            <p:txEl>
+                                              <p:pRg st="9" end="9"/>
+                                            </p:txEl>
+                                          </p:spTgt>
+                                        </p:tgtEl>
+                                        <p:attrNameLst>
+                                          <p:attrName>ppt_x</p:attrName>
+                                        </p:attrNameLst>
+                                      </p:cBhvr>
+                                      <p:tavLst>
+                                        <p:tav tm="0">
+                                          <p:val>
+                                            <p:strVal val="#ppt_x"/>
+                                          </p:val>
+                                        </p:tav>
+                                        <p:tav tm="100000">
+                                          <p:val>
+                                            <p:strVal val="#ppt_x"/>
+                                          </p:val>
+                                        </p:tav>
+                                      </p:tavLst>
+                                    </p:anim>
+                                    <p:anim calcmode="lin" valueType="num">
+                                      <p:cBhvr additive="base">
+                                        <p:cTn id="46" dur="500" fill="hold"/>
+                                        <p:tgtEl>
+                                          <p:spTgt spid="3">
+                                            <p:txEl>
+                                              <p:pRg st="9" end="9"/>
                                             </p:txEl>
                                           </p:spTgt>
                                         </p:tgtEl>
@@ -7826,7 +9302,7 @@
       </p:par>
     </p:tnLst>
     <p:bldLst>
-      <p:bldP spid="3" grpId="0" build="p"/>
+      <p:bldP spid="3" grpId="0" uiExpand="1" build="p"/>
     </p:bldLst>
   </p:timing>
 </p:sld>
@@ -7878,10 +9354,6 @@
               <a:rPr lang="en-US" sz="4000" b="1" dirty="0" smtClean="0"/>
               <a:t> – when you want </a:t>
             </a:r>
-            <a:r>
-              <a:rPr lang="en-US" sz="4000" b="1" dirty="0" smtClean="0"/>
-              <a:t/>
-            </a:r>
             <a:br>
               <a:rPr lang="en-US" sz="4000" b="1" dirty="0" smtClean="0"/>
             </a:br>
@@ -7891,15 +9363,7 @@
             </a:r>
             <a:r>
               <a:rPr lang="en-US" sz="4000" dirty="0" smtClean="0"/>
-              <a:t>than </a:t>
-            </a:r>
-            <a:r>
-              <a:rPr lang="en-US" sz="4000" dirty="0" smtClean="0"/>
-              <a:t>one </a:t>
-            </a:r>
-            <a:r>
-              <a:rPr lang="en-US" sz="4000" dirty="0" smtClean="0"/>
-              <a:t>something.</a:t>
+              <a:t>than one something.</a:t>
             </a:r>
             <a:endParaRPr lang="en-US" sz="4000" b="1" dirty="0"/>
           </a:p>
@@ -7951,15 +9415,7 @@
             </a:pPr>
             <a:r>
               <a:rPr lang="en-US" sz="2800" b="1" dirty="0" smtClean="0"/>
-              <a:t>In my validator app, I </a:t>
-            </a:r>
-            <a:r>
-              <a:rPr lang="en-US" sz="2800" b="1" dirty="0" smtClean="0"/>
-              <a:t>only </a:t>
-            </a:r>
-            <a:r>
-              <a:rPr lang="en-US" sz="2800" b="1" dirty="0" smtClean="0"/>
-              <a:t>used ‘stamp’ to paint</a:t>
+              <a:t>In my validator app, I only used ‘stamp’ to paint</a:t>
             </a:r>
           </a:p>
           <a:p>
@@ -7969,21 +9425,8 @@
             </a:pPr>
             <a:r>
               <a:rPr lang="en-US" dirty="0" smtClean="0"/>
-              <a:t>OK, but what if I wanted </a:t>
-            </a:r>
-            <a:r>
-              <a:rPr lang="en-US" dirty="0" smtClean="0"/>
-              <a:t>to edit? Or an </a:t>
-            </a:r>
-            <a:r>
-              <a:rPr lang="en-US" dirty="0" smtClean="0"/>
-              <a:t>‘undo’ buffer?  </a:t>
-            </a:r>
-            <a:r>
-              <a:rPr lang="en-US" dirty="0" smtClean="0"/>
-              <a:t>Or Animation?  </a:t>
-            </a:r>
-            <a:endParaRPr lang="en-US" dirty="0" smtClean="0"/>
+              <a:t>OK, but what if I wanted to edit? Or an ‘undo’ buffer?  Or Animation?  </a:t>
+            </a:r>
           </a:p>
           <a:p>
             <a:pPr>
@@ -8029,23 +9472,7 @@
             </a:pPr>
             <a:r>
               <a:rPr lang="en-US" dirty="0" smtClean="0"/>
-              <a:t>Most projects </a:t>
-            </a:r>
-            <a:r>
-              <a:rPr lang="en-US" dirty="0" smtClean="0"/>
-              <a:t>I’ve done with clones ended up creating </a:t>
-            </a:r>
-            <a:r>
-              <a:rPr lang="en-US" dirty="0" smtClean="0"/>
-              <a:t>the max </a:t>
-            </a:r>
-            <a:r>
-              <a:rPr lang="en-US" dirty="0" smtClean="0"/>
-              <a:t>300 </a:t>
-            </a:r>
-            <a:r>
-              <a:rPr lang="en-US" dirty="0" smtClean="0"/>
-              <a:t>clones</a:t>
+              <a:t>Most projects I’ve done with clones ended up creating the max 300 clones</a:t>
             </a:r>
           </a:p>
           <a:p>
@@ -8055,21 +9482,8 @@
             </a:pPr>
             <a:r>
               <a:rPr lang="en-US" dirty="0" smtClean="0"/>
-              <a:t>In my final version of my validator, I have </a:t>
-            </a:r>
-            <a:r>
-              <a:rPr lang="en-US" dirty="0" smtClean="0"/>
-              <a:t>‘</a:t>
-            </a:r>
-            <a:r>
-              <a:rPr lang="en-US" dirty="0" smtClean="0"/>
-              <a:t>clone tests</a:t>
-            </a:r>
-            <a:r>
-              <a:rPr lang="en-US" dirty="0" smtClean="0"/>
-              <a:t>’ , but that feels wrong.</a:t>
-            </a:r>
-            <a:endParaRPr lang="en-US" dirty="0" smtClean="0"/>
+              <a:t>In my final version of my validator, I have ‘clone tests’ , but that feels wrong.</a:t>
+            </a:r>
           </a:p>
           <a:p>
             <a:pPr>
@@ -9116,22 +10530,22 @@
           <a:p>
             <a:r>
               <a:rPr lang="en-US" dirty="0" smtClean="0"/>
-              <a:t>Intermediate </a:t>
+              <a:t>If you want a challenge</a:t>
             </a:r>
             <a:r>
               <a:rPr lang="en-US" dirty="0" smtClean="0"/>
-              <a:t>track (Yellow Belts:)</a:t>
+              <a:t/>
             </a:r>
             <a:br>
               <a:rPr lang="en-US" dirty="0" smtClean="0"/>
             </a:br>
             <a:r>
               <a:rPr lang="en-US" dirty="0" smtClean="0"/>
-              <a:t>Improve </a:t>
+              <a:t>Improve the </a:t>
             </a:r>
             <a:r>
               <a:rPr lang="en-US" dirty="0" smtClean="0"/>
-              <a:t>the code?</a:t>
+              <a:t>code</a:t>
             </a:r>
             <a:endParaRPr lang="en-US" sz="3600" b="1" dirty="0"/>
           </a:p>
@@ -9161,33 +10575,56 @@
           <a:p>
             <a:r>
               <a:rPr lang="en-US" sz="2400" dirty="0" smtClean="0"/>
-              <a:t>You can use the arrow keys to go way outside of the painted grid (You might be able to fix this in a few minutes.)</a:t>
-            </a:r>
-          </a:p>
-          <a:p>
+              <a:t>You can use the arrow keys to go way outside of the painted </a:t>
+            </a:r>
             <a:r>
               <a:rPr lang="en-US" sz="2400" dirty="0" smtClean="0"/>
-              <a:t>You can’t clear and start </a:t>
+              <a:t>grid.  You might </a:t>
             </a:r>
             <a:r>
               <a:rPr lang="en-US" sz="2400" dirty="0" smtClean="0"/>
-              <a:t>over.  (new feature)</a:t>
+              <a:t>be able to fix this </a:t>
+            </a:r>
+            <a:r>
+              <a:rPr lang="en-US" sz="2400" dirty="0" smtClean="0"/>
+              <a:t>quickly.</a:t>
             </a:r>
             <a:endParaRPr lang="en-US" sz="2400" dirty="0" smtClean="0"/>
           </a:p>
           <a:p>
             <a:r>
               <a:rPr lang="en-US" sz="2400" dirty="0" smtClean="0"/>
-              <a:t>(just a nit</a:t>
+              <a:t>You can’t clear and start over.  </a:t>
             </a:r>
             <a:r>
               <a:rPr lang="en-US" sz="2400" dirty="0" smtClean="0"/>
-              <a:t>) The cursor sometimes changes the ‘white’ color, not the </a:t>
+              <a:t>(add a new </a:t>
             </a:r>
             <a:r>
               <a:rPr lang="en-US" sz="2400" dirty="0" smtClean="0"/>
-              <a:t>fill.    </a:t>
-            </a:r>
+              <a:t>feature)</a:t>
+            </a:r>
+          </a:p>
+          <a:p>
+            <a:r>
+              <a:rPr lang="en-US" sz="2400" dirty="0" smtClean="0"/>
+              <a:t>(this is just </a:t>
+            </a:r>
+            <a:r>
+              <a:rPr lang="en-US" sz="2400" dirty="0" smtClean="0"/>
+              <a:t>a </a:t>
+            </a:r>
+            <a:r>
+              <a:rPr lang="en-US" sz="2400" dirty="0" smtClean="0"/>
+              <a:t>minor defect) </a:t>
+            </a:r>
+            <a:r>
+              <a:rPr lang="en-US" sz="2400" dirty="0" smtClean="0"/>
+              <a:t>The cursor sometimes changes the ‘white’ color, not the fill.    </a:t>
+            </a:r>
+            <a:endParaRPr lang="en-US" sz="2400" dirty="0" smtClean="0"/>
+          </a:p>
+          <a:p>
             <a:endParaRPr lang="en-US" sz="2400" dirty="0" smtClean="0"/>
           </a:p>
           <a:p>
@@ -9199,15 +10636,7 @@
           <a:p>
             <a:r>
               <a:rPr lang="en-US" sz="2400" dirty="0" smtClean="0"/>
-              <a:t>Advanced kids who didn’t take on the earlier challenge could refactor the cursor from the </a:t>
-            </a:r>
-            <a:r>
-              <a:rPr lang="en-US" sz="2400" dirty="0" smtClean="0"/>
-              <a:t>‘fill’ square </a:t>
-            </a:r>
-            <a:r>
-              <a:rPr lang="en-US" sz="2400" dirty="0" smtClean="0"/>
-              <a:t>and eliminate all the tests that forbid the code from running on clones.</a:t>
+              <a:t>Advanced kids who didn’t take on the earlier challenge could refactor the cursor from the ‘fill’ square and eliminate all the tests that forbid the code from running on clones.</a:t>
             </a:r>
           </a:p>
         </p:txBody>
@@ -9615,7 +11044,7 @@
                                         <p:tgtEl>
                                           <p:spTgt spid="3">
                                             <p:txEl>
-                                              <p:pRg st="3" end="3"/>
+                                              <p:pRg st="4" end="4"/>
                                             </p:txEl>
                                           </p:spTgt>
                                         </p:tgtEl>
@@ -9633,7 +11062,7 @@
                                         <p:tgtEl>
                                           <p:spTgt spid="3">
                                             <p:txEl>
-                                              <p:pRg st="3" end="3"/>
+                                              <p:pRg st="4" end="4"/>
                                             </p:txEl>
                                           </p:spTgt>
                                         </p:tgtEl>
@@ -9645,7 +11074,7 @@
                                         <p:tgtEl>
                                           <p:spTgt spid="3">
                                             <p:txEl>
-                                              <p:pRg st="3" end="3"/>
+                                              <p:pRg st="4" end="4"/>
                                             </p:txEl>
                                           </p:spTgt>
                                         </p:tgtEl>
@@ -9672,7 +11101,7 @@
                                         <p:tgtEl>
                                           <p:spTgt spid="3">
                                             <p:txEl>
-                                              <p:pRg st="3" end="3"/>
+                                              <p:pRg st="4" end="4"/>
                                             </p:txEl>
                                           </p:spTgt>
                                         </p:tgtEl>
@@ -9730,7 +11159,7 @@
                                         <p:tgtEl>
                                           <p:spTgt spid="3">
                                             <p:txEl>
-                                              <p:pRg st="4" end="4"/>
+                                              <p:pRg st="5" end="5"/>
                                             </p:txEl>
                                           </p:spTgt>
                                         </p:tgtEl>
@@ -9748,7 +11177,7 @@
                                         <p:tgtEl>
                                           <p:spTgt spid="3">
                                             <p:txEl>
-                                              <p:pRg st="4" end="4"/>
+                                              <p:pRg st="5" end="5"/>
                                             </p:txEl>
                                           </p:spTgt>
                                         </p:tgtEl>
@@ -9760,7 +11189,7 @@
                                         <p:tgtEl>
                                           <p:spTgt spid="3">
                                             <p:txEl>
-                                              <p:pRg st="4" end="4"/>
+                                              <p:pRg st="5" end="5"/>
                                             </p:txEl>
                                           </p:spTgt>
                                         </p:tgtEl>
@@ -9787,7 +11216,7 @@
                                         <p:tgtEl>
                                           <p:spTgt spid="3">
                                             <p:txEl>
-                                              <p:pRg st="4" end="4"/>
+                                              <p:pRg st="5" end="5"/>
                                             </p:txEl>
                                           </p:spTgt>
                                         </p:tgtEl>
@@ -10100,7 +11529,7 @@
   <a:extraClrSchemeLst/>
   <a:extLst>
     <a:ext uri="{05A4C25C-085E-4340-85A3-A5531E510DB2}">
-      <thm15:themeFamily xmlns:thm15="http://schemas.microsoft.com/office/thememl/2012/main" xmlns="" name="Office Theme" id="{62F939B6-93AF-4DB8-9C6B-D6C7DFDC589F}" vid="{4A3C46E8-61CC-4603-A589-7422A47A8E4A}"/>
+      <thm15:themeFamily xmlns="" xmlns:thm15="http://schemas.microsoft.com/office/thememl/2012/main" name="Office Theme" id="{62F939B6-93AF-4DB8-9C6B-D6C7DFDC589F}" vid="{4A3C46E8-61CC-4603-A589-7422A47A8E4A}"/>
     </a:ext>
   </a:extLst>
 </a:theme>
@@ -10361,7 +11790,7 @@
   <a:extraClrSchemeLst/>
   <a:extLst>
     <a:ext uri="{05A4C25C-085E-4340-85A3-A5531E510DB2}">
-      <thm15:themeFamily xmlns:thm15="http://schemas.microsoft.com/office/thememl/2012/main" xmlns="" name="Office Theme" id="{62F939B6-93AF-4DB8-9C6B-D6C7DFDC589F}" vid="{4A3C46E8-61CC-4603-A589-7422A47A8E4A}"/>
+      <thm15:themeFamily xmlns="" xmlns:thm15="http://schemas.microsoft.com/office/thememl/2012/main" name="Office Theme" id="{62F939B6-93AF-4DB8-9C6B-D6C7DFDC589F}" vid="{4A3C46E8-61CC-4603-A589-7422A47A8E4A}"/>
     </a:ext>
   </a:extLst>
 </a:theme>

--- a/Beyond Scratch Basics week2.pptx
+++ b/Beyond Scratch Basics week2.pptx
@@ -120,7 +120,7 @@
   </p:defaultTextStyle>
   <p:extLst>
     <p:ext uri="{EFAFB233-063F-42B5-8137-9DF3F51BA10A}">
-      <p15:sldGuideLst xmlns="" xmlns:p15="http://schemas.microsoft.com/office/powerpoint/2012/main">
+      <p15:sldGuideLst xmlns:p15="http://schemas.microsoft.com/office/powerpoint/2012/main" xmlns="">
         <p15:guide id="1" orient="horz" pos="2160">
           <p15:clr>
             <a:srgbClr val="A4A3A4"/>
@@ -4795,7 +4795,6 @@
               <a:rPr lang="en-US" sz="2000" dirty="0" smtClean="0"/>
               <a:t>If you want to show off your projects, share them to </a:t>
             </a:r>
-            <a:endParaRPr lang="en-US" sz="2000" dirty="0" smtClean="0"/>
           </a:p>
           <a:p>
             <a:pPr marL="0" indent="0">
@@ -5091,11 +5090,7 @@
           <a:p>
             <a:r>
               <a:rPr lang="en-US" sz="3600" b="1" dirty="0" smtClean="0"/>
-              <a:t>Next week: more </a:t>
-            </a:r>
-            <a:r>
-              <a:rPr lang="en-US" sz="3600" b="1" dirty="0" smtClean="0"/>
-              <a:t>fun with cloning</a:t>
+              <a:t>Next week: more fun with cloning</a:t>
             </a:r>
             <a:endParaRPr lang="en-US" sz="3600" b="1" dirty="0"/>
           </a:p>
@@ -5192,11 +5187,7 @@
             </a:pPr>
             <a:r>
               <a:rPr lang="en-US" dirty="0" smtClean="0"/>
-              <a:t>Here’s a mostly finished version</a:t>
-            </a:r>
-            <a:r>
-              <a:rPr lang="en-US" dirty="0" smtClean="0"/>
-              <a:t>:</a:t>
+              <a:t>Here’s a mostly finished version:</a:t>
             </a:r>
           </a:p>
           <a:p>
@@ -5571,7 +5562,20 @@
             </a:pPr>
             <a:r>
               <a:rPr lang="en-US" dirty="0" smtClean="0"/>
-              <a:t>Let’s look at the tester and try your solution</a:t>
+              <a:t>Let’s look at the tester and try your </a:t>
+            </a:r>
+            <a:r>
+              <a:rPr lang="en-US" dirty="0" smtClean="0"/>
+              <a:t>solution</a:t>
+            </a:r>
+          </a:p>
+          <a:p>
+            <a:pPr marL="0" indent="0">
+              <a:buNone/>
+            </a:pPr>
+            <a:r>
+              <a:rPr lang="en-US" dirty="0"/>
+              <a:t>http://scratch.mit.edu/projects/17624370</a:t>
             </a:r>
             <a:endParaRPr lang="en-US" dirty="0" smtClean="0"/>
           </a:p>
@@ -5595,21 +5599,8 @@
             </a:r>
             <a:r>
               <a:rPr lang="en-US" dirty="0" smtClean="0"/>
-              <a:t>… </a:t>
-            </a:r>
-            <a:r>
-              <a:rPr lang="en-US" dirty="0" smtClean="0"/>
-              <a:t>try to rewrite this to allow </a:t>
-            </a:r>
-            <a:r>
-              <a:rPr lang="en-US" dirty="0" smtClean="0"/>
-              <a:t>a user to enter the commands when the program is running</a:t>
-            </a:r>
-            <a:r>
-              <a:rPr lang="en-US" dirty="0" smtClean="0"/>
-              <a:t>!  </a:t>
-            </a:r>
-            <a:endParaRPr lang="en-US" dirty="0" smtClean="0"/>
+              <a:t>… try to rewrite this to allow a user to enter the commands when the program is running!  </a:t>
+            </a:r>
           </a:p>
           <a:p>
             <a:pPr marL="0" indent="0">
@@ -5641,7 +5632,6 @@
               <a:rPr lang="en-US" dirty="0" smtClean="0"/>
               <a:t> (a short introduction) </a:t>
             </a:r>
-            <a:endParaRPr lang="en-US" dirty="0" smtClean="0"/>
           </a:p>
           <a:p>
             <a:pPr marL="0" indent="0">
@@ -5655,15 +5645,7 @@
             </a:pPr>
             <a:r>
               <a:rPr lang="en-US" dirty="0" smtClean="0"/>
-              <a:t>Second chat:  </a:t>
-            </a:r>
-            <a:r>
-              <a:rPr lang="en-US" dirty="0" smtClean="0"/>
-              <a:t>Change </a:t>
-            </a:r>
-            <a:r>
-              <a:rPr lang="en-US" dirty="0" smtClean="0"/>
-              <a:t>the validator to do a more advanced way of creating the grid </a:t>
+              <a:t>Second chat:  Change the validator to do a more advanced way of creating the grid </a:t>
             </a:r>
             <a:r>
               <a:rPr lang="en-US" sz="2600" b="1" dirty="0" smtClean="0"/>
@@ -5691,28 +5673,20 @@
             </a:r>
             <a:r>
               <a:rPr lang="en-US" dirty="0" smtClean="0"/>
-              <a:t> </a:t>
-            </a:r>
+              <a:t> Lego Creator</a:t>
+            </a:r>
+            <a:endParaRPr lang="en-US" dirty="0"/>
+          </a:p>
+          <a:p>
+            <a:endParaRPr lang="en-US" dirty="0"/>
+          </a:p>
+          <a:p>
+            <a:pPr marL="0" indent="0">
+              <a:buNone/>
+            </a:pPr>
             <a:r>
               <a:rPr lang="en-US" dirty="0" smtClean="0"/>
-              <a:t>Lego Creator</a:t>
-            </a:r>
-            <a:endParaRPr lang="en-US" dirty="0"/>
-          </a:p>
-          <a:p>
-            <a:endParaRPr lang="en-US" dirty="0"/>
-          </a:p>
-          <a:p>
-            <a:pPr marL="0" indent="0">
-              <a:buNone/>
-            </a:pPr>
-            <a:r>
-              <a:rPr lang="en-US" dirty="0" smtClean="0"/>
-              <a:t>Finally: </a:t>
-            </a:r>
-            <a:r>
-              <a:rPr lang="en-US" dirty="0" smtClean="0"/>
-              <a:t>Show your project!</a:t>
+              <a:t>Finally: Show your project!</a:t>
             </a:r>
           </a:p>
           <a:p>
@@ -5885,91 +5859,6 @@
                                   </p:childTnLst>
                                 </p:cTn>
                               </p:par>
-                              <p:par>
-                                <p:cTn id="12" presetID="2" presetClass="entr" presetSubtype="4" fill="hold" grpId="0" nodeType="withEffect">
-                                  <p:stCondLst>
-                                    <p:cond delay="0"/>
-                                  </p:stCondLst>
-                                  <p:childTnLst>
-                                    <p:set>
-                                      <p:cBhvr>
-                                        <p:cTn id="13" dur="1" fill="hold">
-                                          <p:stCondLst>
-                                            <p:cond delay="0"/>
-                                          </p:stCondLst>
-                                        </p:cTn>
-                                        <p:tgtEl>
-                                          <p:spTgt spid="3">
-                                            <p:txEl>
-                                              <p:pRg st="2" end="2"/>
-                                            </p:txEl>
-                                          </p:spTgt>
-                                        </p:tgtEl>
-                                        <p:attrNameLst>
-                                          <p:attrName>style.visibility</p:attrName>
-                                        </p:attrNameLst>
-                                      </p:cBhvr>
-                                      <p:to>
-                                        <p:strVal val="visible"/>
-                                      </p:to>
-                                    </p:set>
-                                    <p:anim calcmode="lin" valueType="num">
-                                      <p:cBhvr additive="base">
-                                        <p:cTn id="14" dur="500" fill="hold"/>
-                                        <p:tgtEl>
-                                          <p:spTgt spid="3">
-                                            <p:txEl>
-                                              <p:pRg st="2" end="2"/>
-                                            </p:txEl>
-                                          </p:spTgt>
-                                        </p:tgtEl>
-                                        <p:attrNameLst>
-                                          <p:attrName>ppt_x</p:attrName>
-                                        </p:attrNameLst>
-                                      </p:cBhvr>
-                                      <p:tavLst>
-                                        <p:tav tm="0">
-                                          <p:val>
-                                            <p:strVal val="#ppt_x"/>
-                                          </p:val>
-                                        </p:tav>
-                                        <p:tav tm="100000">
-                                          <p:val>
-                                            <p:strVal val="#ppt_x"/>
-                                          </p:val>
-                                        </p:tav>
-                                      </p:tavLst>
-                                    </p:anim>
-                                    <p:anim calcmode="lin" valueType="num">
-                                      <p:cBhvr additive="base">
-                                        <p:cTn id="15" dur="500" fill="hold"/>
-                                        <p:tgtEl>
-                                          <p:spTgt spid="3">
-                                            <p:txEl>
-                                              <p:pRg st="2" end="2"/>
-                                            </p:txEl>
-                                          </p:spTgt>
-                                        </p:tgtEl>
-                                        <p:attrNameLst>
-                                          <p:attrName>ppt_y</p:attrName>
-                                        </p:attrNameLst>
-                                      </p:cBhvr>
-                                      <p:tavLst>
-                                        <p:tav tm="0">
-                                          <p:val>
-                                            <p:strVal val="1+#ppt_h/2"/>
-                                          </p:val>
-                                        </p:tav>
-                                        <p:tav tm="100000">
-                                          <p:val>
-                                            <p:strVal val="#ppt_y"/>
-                                          </p:val>
-                                        </p:tav>
-                                      </p:tavLst>
-                                    </p:anim>
-                                  </p:childTnLst>
-                                </p:cTn>
-                              </p:par>
                             </p:childTnLst>
                           </p:cTn>
                         </p:par>
@@ -5977,19 +5866,104 @@
                     </p:cTn>
                   </p:par>
                   <p:par>
-                    <p:cTn id="16" fill="hold">
+                    <p:cTn id="12" fill="hold">
                       <p:stCondLst>
                         <p:cond delay="indefinite"/>
                       </p:stCondLst>
                       <p:childTnLst>
                         <p:par>
-                          <p:cTn id="17" fill="hold">
+                          <p:cTn id="13" fill="hold">
                             <p:stCondLst>
                               <p:cond delay="0"/>
                             </p:stCondLst>
                             <p:childTnLst>
                               <p:par>
-                                <p:cTn id="18" presetID="2" presetClass="entr" presetSubtype="4" fill="hold" grpId="0" nodeType="clickEffect">
+                                <p:cTn id="14" presetID="2" presetClass="entr" presetSubtype="4" fill="hold" grpId="0" nodeType="clickEffect">
+                                  <p:stCondLst>
+                                    <p:cond delay="0"/>
+                                  </p:stCondLst>
+                                  <p:childTnLst>
+                                    <p:set>
+                                      <p:cBhvr>
+                                        <p:cTn id="15" dur="1" fill="hold">
+                                          <p:stCondLst>
+                                            <p:cond delay="0"/>
+                                          </p:stCondLst>
+                                        </p:cTn>
+                                        <p:tgtEl>
+                                          <p:spTgt spid="3">
+                                            <p:txEl>
+                                              <p:pRg st="1" end="1"/>
+                                            </p:txEl>
+                                          </p:spTgt>
+                                        </p:tgtEl>
+                                        <p:attrNameLst>
+                                          <p:attrName>style.visibility</p:attrName>
+                                        </p:attrNameLst>
+                                      </p:cBhvr>
+                                      <p:to>
+                                        <p:strVal val="visible"/>
+                                      </p:to>
+                                    </p:set>
+                                    <p:anim calcmode="lin" valueType="num">
+                                      <p:cBhvr additive="base">
+                                        <p:cTn id="16" dur="500" fill="hold"/>
+                                        <p:tgtEl>
+                                          <p:spTgt spid="3">
+                                            <p:txEl>
+                                              <p:pRg st="1" end="1"/>
+                                            </p:txEl>
+                                          </p:spTgt>
+                                        </p:tgtEl>
+                                        <p:attrNameLst>
+                                          <p:attrName>ppt_x</p:attrName>
+                                        </p:attrNameLst>
+                                      </p:cBhvr>
+                                      <p:tavLst>
+                                        <p:tav tm="0">
+                                          <p:val>
+                                            <p:strVal val="#ppt_x"/>
+                                          </p:val>
+                                        </p:tav>
+                                        <p:tav tm="100000">
+                                          <p:val>
+                                            <p:strVal val="#ppt_x"/>
+                                          </p:val>
+                                        </p:tav>
+                                      </p:tavLst>
+                                    </p:anim>
+                                    <p:anim calcmode="lin" valueType="num">
+                                      <p:cBhvr additive="base">
+                                        <p:cTn id="17" dur="500" fill="hold"/>
+                                        <p:tgtEl>
+                                          <p:spTgt spid="3">
+                                            <p:txEl>
+                                              <p:pRg st="1" end="1"/>
+                                            </p:txEl>
+                                          </p:spTgt>
+                                        </p:tgtEl>
+                                        <p:attrNameLst>
+                                          <p:attrName>ppt_y</p:attrName>
+                                        </p:attrNameLst>
+                                      </p:cBhvr>
+                                      <p:tavLst>
+                                        <p:tav tm="0">
+                                          <p:val>
+                                            <p:strVal val="1+#ppt_h/2"/>
+                                          </p:val>
+                                        </p:tav>
+                                        <p:tav tm="100000">
+                                          <p:val>
+                                            <p:strVal val="#ppt_y"/>
+                                          </p:val>
+                                        </p:tav>
+                                      </p:tavLst>
+                                    </p:anim>
+                                  </p:childTnLst>
+                                </p:cTn>
+                              </p:par>
+                              <p:par>
+                                <p:cTn id="18" presetID="2" presetClass="entr" presetSubtype="4" fill="hold" grpId="0" nodeType="withEffect">
                                   <p:stCondLst>
                                     <p:cond delay="0"/>
                                   </p:stCondLst>
@@ -6004,7 +5978,7 @@
                                         <p:tgtEl>
                                           <p:spTgt spid="3">
                                             <p:txEl>
-                                              <p:pRg st="4" end="4"/>
+                                              <p:pRg st="3" end="3"/>
                                             </p:txEl>
                                           </p:spTgt>
                                         </p:tgtEl>
@@ -6022,7 +5996,7 @@
                                         <p:tgtEl>
                                           <p:spTgt spid="3">
                                             <p:txEl>
-                                              <p:pRg st="4" end="4"/>
+                                              <p:pRg st="3" end="3"/>
                                             </p:txEl>
                                           </p:spTgt>
                                         </p:tgtEl>
@@ -6049,7 +6023,7 @@
                                         <p:tgtEl>
                                           <p:spTgt spid="3">
                                             <p:txEl>
-                                              <p:pRg st="4" end="4"/>
+                                              <p:pRg st="3" end="3"/>
                                             </p:txEl>
                                           </p:spTgt>
                                         </p:tgtEl>
@@ -6107,7 +6081,7 @@
                                         <p:tgtEl>
                                           <p:spTgt spid="3">
                                             <p:txEl>
-                                              <p:pRg st="6" end="6"/>
+                                              <p:pRg st="5" end="5"/>
                                             </p:txEl>
                                           </p:spTgt>
                                         </p:tgtEl>
@@ -6125,7 +6099,7 @@
                                         <p:tgtEl>
                                           <p:spTgt spid="3">
                                             <p:txEl>
-                                              <p:pRg st="6" end="6"/>
+                                              <p:pRg st="5" end="5"/>
                                             </p:txEl>
                                           </p:spTgt>
                                         </p:tgtEl>
@@ -6152,7 +6126,7 @@
                                         <p:tgtEl>
                                           <p:spTgt spid="3">
                                             <p:txEl>
-                                              <p:pRg st="6" end="6"/>
+                                              <p:pRg st="5" end="5"/>
                                             </p:txEl>
                                           </p:spTgt>
                                         </p:tgtEl>
@@ -6210,7 +6184,7 @@
                                         <p:tgtEl>
                                           <p:spTgt spid="3">
                                             <p:txEl>
-                                              <p:pRg st="8" end="8"/>
+                                              <p:pRg st="7" end="7"/>
                                             </p:txEl>
                                           </p:spTgt>
                                         </p:tgtEl>
@@ -6228,7 +6202,7 @@
                                         <p:tgtEl>
                                           <p:spTgt spid="3">
                                             <p:txEl>
-                                              <p:pRg st="8" end="8"/>
+                                              <p:pRg st="7" end="7"/>
                                             </p:txEl>
                                           </p:spTgt>
                                         </p:tgtEl>
@@ -6255,7 +6229,110 @@
                                         <p:tgtEl>
                                           <p:spTgt spid="3">
                                             <p:txEl>
-                                              <p:pRg st="8" end="8"/>
+                                              <p:pRg st="7" end="7"/>
+                                            </p:txEl>
+                                          </p:spTgt>
+                                        </p:tgtEl>
+                                        <p:attrNameLst>
+                                          <p:attrName>ppt_y</p:attrName>
+                                        </p:attrNameLst>
+                                      </p:cBhvr>
+                                      <p:tavLst>
+                                        <p:tav tm="0">
+                                          <p:val>
+                                            <p:strVal val="1+#ppt_h/2"/>
+                                          </p:val>
+                                        </p:tav>
+                                        <p:tav tm="100000">
+                                          <p:val>
+                                            <p:strVal val="#ppt_y"/>
+                                          </p:val>
+                                        </p:tav>
+                                      </p:tavLst>
+                                    </p:anim>
+                                  </p:childTnLst>
+                                </p:cTn>
+                              </p:par>
+                            </p:childTnLst>
+                          </p:cTn>
+                        </p:par>
+                      </p:childTnLst>
+                    </p:cTn>
+                  </p:par>
+                  <p:par>
+                    <p:cTn id="34" fill="hold">
+                      <p:stCondLst>
+                        <p:cond delay="indefinite"/>
+                      </p:stCondLst>
+                      <p:childTnLst>
+                        <p:par>
+                          <p:cTn id="35" fill="hold">
+                            <p:stCondLst>
+                              <p:cond delay="0"/>
+                            </p:stCondLst>
+                            <p:childTnLst>
+                              <p:par>
+                                <p:cTn id="36" presetID="2" presetClass="entr" presetSubtype="4" fill="hold" grpId="0" nodeType="clickEffect">
+                                  <p:stCondLst>
+                                    <p:cond delay="0"/>
+                                  </p:stCondLst>
+                                  <p:childTnLst>
+                                    <p:set>
+                                      <p:cBhvr>
+                                        <p:cTn id="37" dur="1" fill="hold">
+                                          <p:stCondLst>
+                                            <p:cond delay="0"/>
+                                          </p:stCondLst>
+                                        </p:cTn>
+                                        <p:tgtEl>
+                                          <p:spTgt spid="3">
+                                            <p:txEl>
+                                              <p:pRg st="9" end="9"/>
+                                            </p:txEl>
+                                          </p:spTgt>
+                                        </p:tgtEl>
+                                        <p:attrNameLst>
+                                          <p:attrName>style.visibility</p:attrName>
+                                        </p:attrNameLst>
+                                      </p:cBhvr>
+                                      <p:to>
+                                        <p:strVal val="visible"/>
+                                      </p:to>
+                                    </p:set>
+                                    <p:anim calcmode="lin" valueType="num">
+                                      <p:cBhvr additive="base">
+                                        <p:cTn id="38" dur="500" fill="hold"/>
+                                        <p:tgtEl>
+                                          <p:spTgt spid="3">
+                                            <p:txEl>
+                                              <p:pRg st="9" end="9"/>
+                                            </p:txEl>
+                                          </p:spTgt>
+                                        </p:tgtEl>
+                                        <p:attrNameLst>
+                                          <p:attrName>ppt_x</p:attrName>
+                                        </p:attrNameLst>
+                                      </p:cBhvr>
+                                      <p:tavLst>
+                                        <p:tav tm="0">
+                                          <p:val>
+                                            <p:strVal val="#ppt_x"/>
+                                          </p:val>
+                                        </p:tav>
+                                        <p:tav tm="100000">
+                                          <p:val>
+                                            <p:strVal val="#ppt_x"/>
+                                          </p:val>
+                                        </p:tav>
+                                      </p:tavLst>
+                                    </p:anim>
+                                    <p:anim calcmode="lin" valueType="num">
+                                      <p:cBhvr additive="base">
+                                        <p:cTn id="39" dur="500" fill="hold"/>
+                                        <p:tgtEl>
+                                          <p:spTgt spid="3">
+                                            <p:txEl>
+                                              <p:pRg st="9" end="9"/>
                                             </p:txEl>
                                           </p:spTgt>
                                         </p:tgtEl>
@@ -6280,14 +6357,14 @@
                                 </p:cTn>
                               </p:par>
                               <p:par>
-                                <p:cTn id="34" presetID="2" presetClass="entr" presetSubtype="4" fill="hold" grpId="0" nodeType="withEffect">
+                                <p:cTn id="40" presetID="2" presetClass="entr" presetSubtype="4" fill="hold" grpId="0" nodeType="withEffect">
                                   <p:stCondLst>
                                     <p:cond delay="0"/>
                                   </p:stCondLst>
                                   <p:childTnLst>
                                     <p:set>
                                       <p:cBhvr>
-                                        <p:cTn id="35" dur="1" fill="hold">
+                                        <p:cTn id="41" dur="1" fill="hold">
                                           <p:stCondLst>
                                             <p:cond delay="0"/>
                                           </p:stCondLst>
@@ -6295,7 +6372,7 @@
                                         <p:tgtEl>
                                           <p:spTgt spid="3">
                                             <p:txEl>
-                                              <p:pRg st="10" end="10"/>
+                                              <p:pRg st="11" end="11"/>
                                             </p:txEl>
                                           </p:spTgt>
                                         </p:tgtEl>
@@ -6309,11 +6386,11 @@
                                     </p:set>
                                     <p:anim calcmode="lin" valueType="num">
                                       <p:cBhvr additive="base">
-                                        <p:cTn id="36" dur="500" fill="hold"/>
-                                        <p:tgtEl>
-                                          <p:spTgt spid="3">
-                                            <p:txEl>
-                                              <p:pRg st="10" end="10"/>
+                                        <p:cTn id="42" dur="500" fill="hold"/>
+                                        <p:tgtEl>
+                                          <p:spTgt spid="3">
+                                            <p:txEl>
+                                              <p:pRg st="11" end="11"/>
                                             </p:txEl>
                                           </p:spTgt>
                                         </p:tgtEl>
@@ -6336,11 +6413,11 @@
                                     </p:anim>
                                     <p:anim calcmode="lin" valueType="num">
                                       <p:cBhvr additive="base">
-                                        <p:cTn id="37" dur="500" fill="hold"/>
-                                        <p:tgtEl>
-                                          <p:spTgt spid="3">
-                                            <p:txEl>
-                                              <p:pRg st="10" end="10"/>
+                                        <p:cTn id="43" dur="500" fill="hold"/>
+                                        <p:tgtEl>
+                                          <p:spTgt spid="3">
+                                            <p:txEl>
+                                              <p:pRg st="11" end="11"/>
                                             </p:txEl>
                                           </p:spTgt>
                                         </p:tgtEl>
@@ -6435,11 +6512,7 @@
           <a:p>
             <a:r>
               <a:rPr lang="en-US" sz="4400" dirty="0" smtClean="0"/>
-              <a:t>Let’s use a program to </a:t>
-            </a:r>
-            <a:r>
-              <a:rPr lang="en-US" sz="4400" dirty="0" smtClean="0"/>
-              <a:t>test</a:t>
+              <a:t>Let’s use a program to test</a:t>
             </a:r>
             <a:br>
               <a:rPr lang="en-US" sz="4400" dirty="0" smtClean="0"/>
@@ -6507,33 +6580,13 @@
           <a:p>
             <a:r>
               <a:rPr lang="en-US" dirty="0" smtClean="0"/>
-              <a:t>Did you know you can add </a:t>
-            </a:r>
+              <a:t>Did you know you can add your very own blocks to your program?  Why?</a:t>
+            </a:r>
+          </a:p>
+          <a:p>
             <a:r>
               <a:rPr lang="en-US" dirty="0" smtClean="0"/>
-              <a:t>your very own blocks </a:t>
-            </a:r>
-            <a:r>
-              <a:rPr lang="en-US" dirty="0" smtClean="0"/>
-              <a:t>to your </a:t>
-            </a:r>
-            <a:r>
-              <a:rPr lang="en-US" dirty="0" smtClean="0"/>
-              <a:t>program?  Why?</a:t>
-            </a:r>
-          </a:p>
-          <a:p>
-            <a:r>
-              <a:rPr lang="en-US" dirty="0" smtClean="0"/>
-              <a:t>Good for factoring </a:t>
-            </a:r>
-            <a:r>
-              <a:rPr lang="en-US" dirty="0" smtClean="0"/>
-              <a:t>out common chunks of code, or to make a complicated section more </a:t>
-            </a:r>
-            <a:r>
-              <a:rPr lang="en-US" dirty="0" smtClean="0"/>
-              <a:t>understandable </a:t>
+              <a:t>Good for factoring out common chunks of code, or to make a complicated section more understandable </a:t>
             </a:r>
             <a:endParaRPr lang="en-US" dirty="0"/>
           </a:p>
@@ -6551,50 +6604,13 @@
           <a:p>
             <a:r>
               <a:rPr lang="en-US" dirty="0" smtClean="0"/>
-              <a:t>Drag blocks that you or your partner </a:t>
-            </a:r>
+              <a:t>Drag blocks that you or your partner wrote and test it</a:t>
+            </a:r>
+          </a:p>
+          <a:p>
             <a:r>
               <a:rPr lang="en-US" dirty="0" smtClean="0"/>
-              <a:t>wrote and test it</a:t>
-            </a:r>
-            <a:endParaRPr lang="en-US" dirty="0" smtClean="0"/>
-          </a:p>
-          <a:p>
-            <a:r>
-              <a:rPr lang="en-US" dirty="0" smtClean="0"/>
-              <a:t>To </a:t>
-            </a:r>
-            <a:r>
-              <a:rPr lang="en-US" dirty="0" smtClean="0"/>
-              <a:t>validate via More Blocks, </a:t>
-            </a:r>
-            <a:r>
-              <a:rPr lang="en-US" dirty="0" smtClean="0"/>
-              <a:t>set the size, then </a:t>
-            </a:r>
-            <a:r>
-              <a:rPr lang="en-US" dirty="0" smtClean="0"/>
-              <a:t>(Paint Grid), </a:t>
-            </a:r>
-            <a:r>
-              <a:rPr lang="en-US" dirty="0" smtClean="0"/>
-              <a:t>then </a:t>
-            </a:r>
-            <a:r>
-              <a:rPr lang="en-US" dirty="0" smtClean="0"/>
-              <a:t>double-click </a:t>
-            </a:r>
-            <a:r>
-              <a:rPr lang="en-US" dirty="0" smtClean="0"/>
-              <a:t>the </a:t>
-            </a:r>
-            <a:r>
-              <a:rPr lang="en-US" dirty="0" smtClean="0"/>
-              <a:t>command list </a:t>
-            </a:r>
-            <a:r>
-              <a:rPr lang="en-US" dirty="0" smtClean="0"/>
-              <a:t>you put in.</a:t>
+              <a:t>To validate via More Blocks, set the size, then (Paint Grid), then double-click the command list you put in.</a:t>
             </a:r>
           </a:p>
           <a:p>
@@ -7911,11 +7927,7 @@
           <a:p>
             <a:r>
               <a:rPr lang="en-US" sz="4400" b="1" dirty="0" smtClean="0"/>
-              <a:t>Lists are </a:t>
-            </a:r>
-            <a:r>
-              <a:rPr lang="en-US" sz="4400" b="1" dirty="0" smtClean="0"/>
-              <a:t>for storing data</a:t>
+              <a:t>Lists are for storing data</a:t>
             </a:r>
             <a:endParaRPr lang="en-US" sz="4400" b="1" dirty="0"/>
           </a:p>
@@ -7945,15 +7957,7 @@
           <a:p>
             <a:r>
               <a:rPr lang="en-US" sz="2800" dirty="0" smtClean="0"/>
-              <a:t>You can make a list of </a:t>
-            </a:r>
-            <a:r>
-              <a:rPr lang="en-US" sz="2800" dirty="0" smtClean="0"/>
-              <a:t>constant data</a:t>
-            </a:r>
-            <a:r>
-              <a:rPr lang="en-US" sz="2800" dirty="0" smtClean="0"/>
-              <a:t>.  </a:t>
+              <a:t>You can make a list of constant data.  </a:t>
             </a:r>
           </a:p>
           <a:p>
@@ -7968,21 +7972,8 @@
           <a:p>
             <a:r>
               <a:rPr lang="en-US" sz="2800" dirty="0" smtClean="0"/>
-              <a:t>You can gather a user’s </a:t>
-            </a:r>
-            <a:r>
-              <a:rPr lang="en-US" sz="2800" dirty="0" smtClean="0"/>
-              <a:t>actions </a:t>
-            </a:r>
-            <a:r>
-              <a:rPr lang="en-US" sz="2800" dirty="0" smtClean="0"/>
-              <a:t>for </a:t>
-            </a:r>
-            <a:r>
-              <a:rPr lang="en-US" sz="2800" dirty="0" smtClean="0"/>
-              <a:t>history or to use later</a:t>
-            </a:r>
-            <a:endParaRPr lang="en-US" sz="2800" dirty="0" smtClean="0"/>
+              <a:t>You can gather a user’s actions for history or to use later</a:t>
+            </a:r>
           </a:p>
           <a:p>
             <a:r>
@@ -8268,15 +8259,7 @@
           <a:p>
             <a:r>
               <a:rPr lang="en-US" dirty="0" smtClean="0"/>
-              <a:t>What are the ‘standard colors’?  Here’s </a:t>
-            </a:r>
-            <a:r>
-              <a:rPr lang="en-US" dirty="0" smtClean="0"/>
-              <a:t>my list</a:t>
-            </a:r>
-            <a:r>
-              <a:rPr lang="en-US" dirty="0" smtClean="0"/>
-              <a:t>….</a:t>
+              <a:t>What are the ‘standard colors’?  Here’s my list….</a:t>
             </a:r>
           </a:p>
           <a:p>
@@ -8331,21 +8314,8 @@
                   <a:srgbClr val="7030A0"/>
                 </a:solidFill>
               </a:rPr>
-              <a:t>’ which looped thru </a:t>
-            </a:r>
-            <a:r>
-              <a:rPr lang="en-US" sz="2600" dirty="0" smtClean="0">
-                <a:solidFill>
-                  <a:srgbClr val="7030A0"/>
-                </a:solidFill>
-              </a:rPr>
-              <a:t>(on press of ‘c’)</a:t>
-            </a:r>
-            <a:endParaRPr lang="en-US" sz="2600" dirty="0" smtClean="0">
-              <a:solidFill>
-                <a:srgbClr val="7030A0"/>
-              </a:solidFill>
-            </a:endParaRPr>
+              <a:t>’ which looped thru (on press of ‘c’)</a:t>
+            </a:r>
           </a:p>
           <a:p>
             <a:endParaRPr lang="en-US" sz="2600" dirty="0">
@@ -10524,17 +10494,13 @@
         <p:spPr/>
         <p:txBody>
           <a:bodyPr>
-            <a:normAutofit/>
+            <a:normAutofit fontScale="90000"/>
           </a:bodyPr>
           <a:lstStyle/>
           <a:p>
             <a:r>
               <a:rPr lang="en-US" dirty="0" smtClean="0"/>
               <a:t>If you want a challenge</a:t>
-            </a:r>
-            <a:r>
-              <a:rPr lang="en-US" dirty="0" smtClean="0"/>
-              <a:t/>
             </a:r>
             <a:br>
               <a:rPr lang="en-US" dirty="0" smtClean="0"/>
@@ -10544,8 +10510,15 @@
               <a:t>Improve the </a:t>
             </a:r>
             <a:r>
-              <a:rPr lang="en-US" dirty="0" smtClean="0"/>
-              <a:t>code</a:t>
+              <a:rPr lang="en-US" dirty="0"/>
+              <a:t>code in </a:t>
+            </a:r>
+            <a:br>
+              <a:rPr lang="en-US" dirty="0"/>
+            </a:br>
+            <a:r>
+              <a:rPr lang="en-US" dirty="0"/>
+              <a:t>http://scratch.mit.edu/projects/17624370/</a:t>
             </a:r>
             <a:endParaRPr lang="en-US" sz="3600" b="1" dirty="0"/>
           </a:p>
@@ -10569,60 +10542,26 @@
         </p:spPr>
         <p:txBody>
           <a:bodyPr>
-            <a:normAutofit/>
+            <a:normAutofit fontScale="92500"/>
           </a:bodyPr>
           <a:lstStyle/>
           <a:p>
             <a:r>
               <a:rPr lang="en-US" sz="2400" dirty="0" smtClean="0"/>
-              <a:t>You can use the arrow keys to go way outside of the painted </a:t>
-            </a:r>
+              <a:t>You can use the arrow keys to go way outside of the painted grid.  You might be able to fix this quickly.</a:t>
+            </a:r>
+          </a:p>
+          <a:p>
             <a:r>
               <a:rPr lang="en-US" sz="2400" dirty="0" smtClean="0"/>
-              <a:t>grid.  You might </a:t>
-            </a:r>
+              <a:t>You can’t clear and start over.  (add a new feature)</a:t>
+            </a:r>
+          </a:p>
+          <a:p>
             <a:r>
               <a:rPr lang="en-US" sz="2400" dirty="0" smtClean="0"/>
-              <a:t>be able to fix this </a:t>
-            </a:r>
-            <a:r>
-              <a:rPr lang="en-US" sz="2400" dirty="0" smtClean="0"/>
-              <a:t>quickly.</a:t>
-            </a:r>
-            <a:endParaRPr lang="en-US" sz="2400" dirty="0" smtClean="0"/>
-          </a:p>
-          <a:p>
-            <a:r>
-              <a:rPr lang="en-US" sz="2400" dirty="0" smtClean="0"/>
-              <a:t>You can’t clear and start over.  </a:t>
-            </a:r>
-            <a:r>
-              <a:rPr lang="en-US" sz="2400" dirty="0" smtClean="0"/>
-              <a:t>(add a new </a:t>
-            </a:r>
-            <a:r>
-              <a:rPr lang="en-US" sz="2400" dirty="0" smtClean="0"/>
-              <a:t>feature)</a:t>
-            </a:r>
-          </a:p>
-          <a:p>
-            <a:r>
-              <a:rPr lang="en-US" sz="2400" dirty="0" smtClean="0"/>
-              <a:t>(this is just </a:t>
-            </a:r>
-            <a:r>
-              <a:rPr lang="en-US" sz="2400" dirty="0" smtClean="0"/>
-              <a:t>a </a:t>
-            </a:r>
-            <a:r>
-              <a:rPr lang="en-US" sz="2400" dirty="0" smtClean="0"/>
-              <a:t>minor defect) </a:t>
-            </a:r>
-            <a:r>
-              <a:rPr lang="en-US" sz="2400" dirty="0" smtClean="0"/>
-              <a:t>The cursor sometimes changes the ‘white’ color, not the fill.    </a:t>
-            </a:r>
-            <a:endParaRPr lang="en-US" sz="2400" dirty="0" smtClean="0"/>
+              <a:t>(this is just a minor defect) The cursor sometimes changes the ‘white’ color, not the fill.    </a:t>
+            </a:r>
           </a:p>
           <a:p>
             <a:endParaRPr lang="en-US" sz="2400" dirty="0" smtClean="0"/>
@@ -10636,8 +10575,40 @@
           <a:p>
             <a:r>
               <a:rPr lang="en-US" sz="2400" dirty="0" smtClean="0"/>
-              <a:t>Advanced kids who didn’t take on the earlier challenge could refactor the cursor from the ‘fill’ square and eliminate all the tests that forbid the code from running on clones.</a:t>
-            </a:r>
+              <a:t>Advanced kids who didn’t take on the earlier challenge could refactor the cursor from the ‘fill’ square and eliminate all the tests that forbid the code from running on clones</a:t>
+            </a:r>
+            <a:r>
+              <a:rPr lang="en-US" sz="2400" dirty="0" smtClean="0"/>
+              <a:t>.</a:t>
+            </a:r>
+          </a:p>
+          <a:p>
+            <a:r>
+              <a:rPr lang="en-US" sz="2400" dirty="0" smtClean="0"/>
+              <a:t>If you just want to see my list and clone code, look at </a:t>
+            </a:r>
+          </a:p>
+          <a:p>
+            <a:pPr marL="0" indent="0">
+              <a:buNone/>
+            </a:pPr>
+            <a:r>
+              <a:rPr lang="en-US" sz="2400" smtClean="0"/>
+              <a:t>	http</a:t>
+            </a:r>
+            <a:r>
+              <a:rPr lang="en-US" sz="2400"/>
+              <a:t>://scratch.mit.edu/projects/18081278</a:t>
+            </a:r>
+          </a:p>
+          <a:p>
+            <a:endParaRPr lang="en-US" sz="2400" dirty="0" smtClean="0"/>
+          </a:p>
+          <a:p>
+            <a:pPr marL="0" indent="0">
+              <a:buNone/>
+            </a:pPr>
+            <a:endParaRPr lang="en-US" sz="2400" dirty="0" smtClean="0"/>
           </a:p>
         </p:txBody>
       </p:sp>
@@ -11217,6 +11188,236 @@
                                           <p:spTgt spid="3">
                                             <p:txEl>
                                               <p:pRg st="5" end="5"/>
+                                            </p:txEl>
+                                          </p:spTgt>
+                                        </p:tgtEl>
+                                        <p:attrNameLst>
+                                          <p:attrName>ppt_y</p:attrName>
+                                        </p:attrNameLst>
+                                      </p:cBhvr>
+                                      <p:tavLst>
+                                        <p:tav tm="0">
+                                          <p:val>
+                                            <p:strVal val="#ppt_y+.1"/>
+                                          </p:val>
+                                        </p:tav>
+                                        <p:tav tm="100000">
+                                          <p:val>
+                                            <p:strVal val="#ppt_y"/>
+                                          </p:val>
+                                        </p:tav>
+                                      </p:tavLst>
+                                    </p:anim>
+                                  </p:childTnLst>
+                                </p:cTn>
+                              </p:par>
+                            </p:childTnLst>
+                          </p:cTn>
+                        </p:par>
+                      </p:childTnLst>
+                    </p:cTn>
+                  </p:par>
+                  <p:par>
+                    <p:cTn id="38" fill="hold">
+                      <p:stCondLst>
+                        <p:cond delay="indefinite"/>
+                      </p:stCondLst>
+                      <p:childTnLst>
+                        <p:par>
+                          <p:cTn id="39" fill="hold">
+                            <p:stCondLst>
+                              <p:cond delay="0"/>
+                            </p:stCondLst>
+                            <p:childTnLst>
+                              <p:par>
+                                <p:cTn id="40" presetID="42" presetClass="entr" presetSubtype="0" fill="hold" grpId="0" nodeType="clickEffect">
+                                  <p:stCondLst>
+                                    <p:cond delay="0"/>
+                                  </p:stCondLst>
+                                  <p:childTnLst>
+                                    <p:set>
+                                      <p:cBhvr>
+                                        <p:cTn id="41" dur="1" fill="hold">
+                                          <p:stCondLst>
+                                            <p:cond delay="0"/>
+                                          </p:stCondLst>
+                                        </p:cTn>
+                                        <p:tgtEl>
+                                          <p:spTgt spid="3">
+                                            <p:txEl>
+                                              <p:pRg st="6" end="6"/>
+                                            </p:txEl>
+                                          </p:spTgt>
+                                        </p:tgtEl>
+                                        <p:attrNameLst>
+                                          <p:attrName>style.visibility</p:attrName>
+                                        </p:attrNameLst>
+                                      </p:cBhvr>
+                                      <p:to>
+                                        <p:strVal val="visible"/>
+                                      </p:to>
+                                    </p:set>
+                                    <p:animEffect transition="in" filter="fade">
+                                      <p:cBhvr>
+                                        <p:cTn id="42" dur="1000"/>
+                                        <p:tgtEl>
+                                          <p:spTgt spid="3">
+                                            <p:txEl>
+                                              <p:pRg st="6" end="6"/>
+                                            </p:txEl>
+                                          </p:spTgt>
+                                        </p:tgtEl>
+                                      </p:cBhvr>
+                                    </p:animEffect>
+                                    <p:anim calcmode="lin" valueType="num">
+                                      <p:cBhvr>
+                                        <p:cTn id="43" dur="1000" fill="hold"/>
+                                        <p:tgtEl>
+                                          <p:spTgt spid="3">
+                                            <p:txEl>
+                                              <p:pRg st="6" end="6"/>
+                                            </p:txEl>
+                                          </p:spTgt>
+                                        </p:tgtEl>
+                                        <p:attrNameLst>
+                                          <p:attrName>ppt_x</p:attrName>
+                                        </p:attrNameLst>
+                                      </p:cBhvr>
+                                      <p:tavLst>
+                                        <p:tav tm="0">
+                                          <p:val>
+                                            <p:strVal val="#ppt_x"/>
+                                          </p:val>
+                                        </p:tav>
+                                        <p:tav tm="100000">
+                                          <p:val>
+                                            <p:strVal val="#ppt_x"/>
+                                          </p:val>
+                                        </p:tav>
+                                      </p:tavLst>
+                                    </p:anim>
+                                    <p:anim calcmode="lin" valueType="num">
+                                      <p:cBhvr>
+                                        <p:cTn id="44" dur="1000" fill="hold"/>
+                                        <p:tgtEl>
+                                          <p:spTgt spid="3">
+                                            <p:txEl>
+                                              <p:pRg st="6" end="6"/>
+                                            </p:txEl>
+                                          </p:spTgt>
+                                        </p:tgtEl>
+                                        <p:attrNameLst>
+                                          <p:attrName>ppt_y</p:attrName>
+                                        </p:attrNameLst>
+                                      </p:cBhvr>
+                                      <p:tavLst>
+                                        <p:tav tm="0">
+                                          <p:val>
+                                            <p:strVal val="#ppt_y+.1"/>
+                                          </p:val>
+                                        </p:tav>
+                                        <p:tav tm="100000">
+                                          <p:val>
+                                            <p:strVal val="#ppt_y"/>
+                                          </p:val>
+                                        </p:tav>
+                                      </p:tavLst>
+                                    </p:anim>
+                                  </p:childTnLst>
+                                </p:cTn>
+                              </p:par>
+                            </p:childTnLst>
+                          </p:cTn>
+                        </p:par>
+                      </p:childTnLst>
+                    </p:cTn>
+                  </p:par>
+                  <p:par>
+                    <p:cTn id="45" fill="hold">
+                      <p:stCondLst>
+                        <p:cond delay="indefinite"/>
+                      </p:stCondLst>
+                      <p:childTnLst>
+                        <p:par>
+                          <p:cTn id="46" fill="hold">
+                            <p:stCondLst>
+                              <p:cond delay="0"/>
+                            </p:stCondLst>
+                            <p:childTnLst>
+                              <p:par>
+                                <p:cTn id="47" presetID="42" presetClass="entr" presetSubtype="0" fill="hold" grpId="0" nodeType="clickEffect">
+                                  <p:stCondLst>
+                                    <p:cond delay="0"/>
+                                  </p:stCondLst>
+                                  <p:childTnLst>
+                                    <p:set>
+                                      <p:cBhvr>
+                                        <p:cTn id="48" dur="1" fill="hold">
+                                          <p:stCondLst>
+                                            <p:cond delay="0"/>
+                                          </p:stCondLst>
+                                        </p:cTn>
+                                        <p:tgtEl>
+                                          <p:spTgt spid="3">
+                                            <p:txEl>
+                                              <p:pRg st="7" end="7"/>
+                                            </p:txEl>
+                                          </p:spTgt>
+                                        </p:tgtEl>
+                                        <p:attrNameLst>
+                                          <p:attrName>style.visibility</p:attrName>
+                                        </p:attrNameLst>
+                                      </p:cBhvr>
+                                      <p:to>
+                                        <p:strVal val="visible"/>
+                                      </p:to>
+                                    </p:set>
+                                    <p:animEffect transition="in" filter="fade">
+                                      <p:cBhvr>
+                                        <p:cTn id="49" dur="1000"/>
+                                        <p:tgtEl>
+                                          <p:spTgt spid="3">
+                                            <p:txEl>
+                                              <p:pRg st="7" end="7"/>
+                                            </p:txEl>
+                                          </p:spTgt>
+                                        </p:tgtEl>
+                                      </p:cBhvr>
+                                    </p:animEffect>
+                                    <p:anim calcmode="lin" valueType="num">
+                                      <p:cBhvr>
+                                        <p:cTn id="50" dur="1000" fill="hold"/>
+                                        <p:tgtEl>
+                                          <p:spTgt spid="3">
+                                            <p:txEl>
+                                              <p:pRg st="7" end="7"/>
+                                            </p:txEl>
+                                          </p:spTgt>
+                                        </p:tgtEl>
+                                        <p:attrNameLst>
+                                          <p:attrName>ppt_x</p:attrName>
+                                        </p:attrNameLst>
+                                      </p:cBhvr>
+                                      <p:tavLst>
+                                        <p:tav tm="0">
+                                          <p:val>
+                                            <p:strVal val="#ppt_x"/>
+                                          </p:val>
+                                        </p:tav>
+                                        <p:tav tm="100000">
+                                          <p:val>
+                                            <p:strVal val="#ppt_x"/>
+                                          </p:val>
+                                        </p:tav>
+                                      </p:tavLst>
+                                    </p:anim>
+                                    <p:anim calcmode="lin" valueType="num">
+                                      <p:cBhvr>
+                                        <p:cTn id="51" dur="1000" fill="hold"/>
+                                        <p:tgtEl>
+                                          <p:spTgt spid="3">
+                                            <p:txEl>
+                                              <p:pRg st="7" end="7"/>
                                             </p:txEl>
                                           </p:spTgt>
                                         </p:tgtEl>
@@ -11529,7 +11730,7 @@
   <a:extraClrSchemeLst/>
   <a:extLst>
     <a:ext uri="{05A4C25C-085E-4340-85A3-A5531E510DB2}">
-      <thm15:themeFamily xmlns="" xmlns:thm15="http://schemas.microsoft.com/office/thememl/2012/main" name="Office Theme" id="{62F939B6-93AF-4DB8-9C6B-D6C7DFDC589F}" vid="{4A3C46E8-61CC-4603-A589-7422A47A8E4A}"/>
+      <thm15:themeFamily xmlns:thm15="http://schemas.microsoft.com/office/thememl/2012/main" xmlns="" name="Office Theme" id="{62F939B6-93AF-4DB8-9C6B-D6C7DFDC589F}" vid="{4A3C46E8-61CC-4603-A589-7422A47A8E4A}"/>
     </a:ext>
   </a:extLst>
 </a:theme>
@@ -11790,7 +11991,7 @@
   <a:extraClrSchemeLst/>
   <a:extLst>
     <a:ext uri="{05A4C25C-085E-4340-85A3-A5531E510DB2}">
-      <thm15:themeFamily xmlns="" xmlns:thm15="http://schemas.microsoft.com/office/thememl/2012/main" name="Office Theme" id="{62F939B6-93AF-4DB8-9C6B-D6C7DFDC589F}" vid="{4A3C46E8-61CC-4603-A589-7422A47A8E4A}"/>
+      <thm15:themeFamily xmlns:thm15="http://schemas.microsoft.com/office/thememl/2012/main" xmlns="" name="Office Theme" id="{62F939B6-93AF-4DB8-9C6B-D6C7DFDC589F}" vid="{4A3C46E8-61CC-4603-A589-7422A47A8E4A}"/>
     </a:ext>
   </a:extLst>
 </a:theme>
